--- a/LightingTalks/Holy Freebies Batman.pptx
+++ b/LightingTalks/Holy Freebies Batman.pptx
@@ -120,6 +120,9 @@
     <p:ext uri="{EFAFB233-063F-42B5-8137-9DF3F51BA10A}">
       <p15:sldGuideLst xmlns:p15="http://schemas.microsoft.com/office/powerpoint/2012/main"/>
     </p:ext>
+    <p:ext uri="{2D200454-40CA-4A62-9FC3-DE9A4176ACB9}">
+      <p15:notesGuideLst xmlns:p15="http://schemas.microsoft.com/office/powerpoint/2012/main"/>
+    </p:ext>
   </p:extLst>
 </p:presentation>
 </file>
@@ -1614,6 +1617,18 @@
                 <a:hlinkClick r:id="rId4"/>
               </a:rPr>
               <a:t>https://www.netlify.com/</a:t>
+            </a:r>
+            <a:endParaRPr lang="en-US" dirty="0"/>
+          </a:p>
+          <a:p>
+            <a:endParaRPr lang="en-US" dirty="0"/>
+          </a:p>
+          <a:p>
+            <a:r>
+              <a:rPr lang="en-US">
+                <a:hlinkClick r:id="rId5"/>
+              </a:rPr>
+              <a:t>https://pages.github.com/</a:t>
             </a:r>
             <a:endParaRPr lang="en-US" dirty="0"/>
           </a:p>
@@ -10225,6 +10240,21 @@
             <a:r>
               <a:rPr lang="en-US" dirty="0"/>
               <a:t>Netlify</a:t>
+            </a:r>
+          </a:p>
+          <a:p>
+            <a:pPr marL="457200" indent="-457200">
+              <a:buClr>
+                <a:schemeClr val="tx1">
+                  <a:lumMod val="75000"/>
+                  <a:lumOff val="25000"/>
+                </a:schemeClr>
+              </a:buClr>
+              <a:buAutoNum type="arabicPeriod"/>
+            </a:pPr>
+            <a:r>
+              <a:rPr lang="en-US" dirty="0"/>
+              <a:t>Git Hub Pages</a:t>
             </a:r>
           </a:p>
           <a:p>
@@ -10868,24 +10898,6 @@
 </file>
 
 <file path=customXml/item1.xml><?xml version="1.0" encoding="utf-8"?>
-<p:properties xmlns:p="http://schemas.microsoft.com/office/2006/metadata/properties" xmlns:xsi="http://www.w3.org/2001/XMLSchema-instance" xmlns:pc="http://schemas.microsoft.com/office/infopath/2007/PartnerControls">
-  <documentManagement>
-    <Status xmlns="71af3243-3dd4-4a8d-8c0d-dd76da1f02a5">Not started</Status>
-    <MediaServiceKeyPoints xmlns="71af3243-3dd4-4a8d-8c0d-dd76da1f02a5" xsi:nil="true"/>
-  </documentManagement>
-</p:properties>
-</file>
-
-<file path=customXml/item2.xml><?xml version="1.0" encoding="utf-8"?>
-<?mso-contentType ?>
-<FormTemplates xmlns="http://schemas.microsoft.com/sharepoint/v3/contenttype/forms">
-  <Display>DocumentLibraryForm</Display>
-  <Edit>DocumentLibraryForm</Edit>
-  <New>DocumentLibraryForm</New>
-</FormTemplates>
-</file>
-
-<file path=customXml/item3.xml><?xml version="1.0" encoding="utf-8"?>
 <ct:contentTypeSchema xmlns:ct="http://schemas.microsoft.com/office/2006/metadata/contentType" xmlns:ma="http://schemas.microsoft.com/office/2006/metadata/properties/metaAttributes" ct:_="" ma:_="" ma:contentTypeName="Document" ma:contentTypeID="0x01010079F111ED35F8CC479449609E8A0923A6" ma:contentTypeVersion="12" ma:contentTypeDescription="Create a new document." ma:contentTypeScope="" ma:versionID="fa6e671f1cd7e4d96ff9652be322dd5e">
   <xsd:schema xmlns:xsd="http://www.w3.org/2001/XMLSchema" xmlns:xs="http://www.w3.org/2001/XMLSchema" xmlns:p="http://schemas.microsoft.com/office/2006/metadata/properties" xmlns:ns2="71af3243-3dd4-4a8d-8c0d-dd76da1f02a5" xmlns:ns3="16c05727-aa75-4e4a-9b5f-8a80a1165891" targetNamespace="http://schemas.microsoft.com/office/2006/metadata/properties" ma:root="true" ma:fieldsID="4e2496f70b101db0b8013f30a071bbf7" ns2:_="" ns3:_="">
     <xsd:import namespace="71af3243-3dd4-4a8d-8c0d-dd76da1f02a5"/>
@@ -11106,25 +11118,25 @@
 </ct:contentTypeSchema>
 </file>
 
-<file path=customXml/itemProps1.xml><?xml version="1.0" encoding="utf-8"?>
-<ds:datastoreItem xmlns:ds="http://schemas.openxmlformats.org/officeDocument/2006/customXml" ds:itemID="{38F4328E-77DF-41E8-952F-124AE19F1F7C}">
-  <ds:schemaRefs>
-    <ds:schemaRef ds:uri="http://schemas.microsoft.com/office/2006/metadata/properties"/>
-    <ds:schemaRef ds:uri="http://schemas.microsoft.com/office/infopath/2007/PartnerControls"/>
-    <ds:schemaRef ds:uri="71af3243-3dd4-4a8d-8c0d-dd76da1f02a5"/>
-  </ds:schemaRefs>
-</ds:datastoreItem>
+<file path=customXml/item2.xml><?xml version="1.0" encoding="utf-8"?>
+<?mso-contentType ?>
+<FormTemplates xmlns="http://schemas.microsoft.com/sharepoint/v3/contenttype/forms">
+  <Display>DocumentLibraryForm</Display>
+  <Edit>DocumentLibraryForm</Edit>
+  <New>DocumentLibraryForm</New>
+</FormTemplates>
 </file>
 
-<file path=customXml/itemProps2.xml><?xml version="1.0" encoding="utf-8"?>
-<ds:datastoreItem xmlns:ds="http://schemas.openxmlformats.org/officeDocument/2006/customXml" ds:itemID="{6A7FA506-1E93-4CA4-B270-1F08FD18C366}">
-  <ds:schemaRefs>
-    <ds:schemaRef ds:uri="http://schemas.microsoft.com/sharepoint/v3/contenttype/forms"/>
-  </ds:schemaRefs>
-</ds:datastoreItem>
+<file path=customXml/item3.xml><?xml version="1.0" encoding="utf-8"?>
+<p:properties xmlns:p="http://schemas.microsoft.com/office/2006/metadata/properties" xmlns:xsi="http://www.w3.org/2001/XMLSchema-instance" xmlns:pc="http://schemas.microsoft.com/office/infopath/2007/PartnerControls">
+  <documentManagement>
+    <Status xmlns="71af3243-3dd4-4a8d-8c0d-dd76da1f02a5">Not started</Status>
+    <MediaServiceKeyPoints xmlns="71af3243-3dd4-4a8d-8c0d-dd76da1f02a5" xsi:nil="true"/>
+  </documentManagement>
+</p:properties>
 </file>
 
-<file path=customXml/itemProps3.xml><?xml version="1.0" encoding="utf-8"?>
+<file path=customXml/itemProps1.xml><?xml version="1.0" encoding="utf-8"?>
 <ds:datastoreItem xmlns:ds="http://schemas.openxmlformats.org/officeDocument/2006/customXml" ds:itemID="{1F2FE978-FCBC-4C90-A410-B547AA706062}">
   <ds:schemaRefs>
     <ds:schemaRef ds:uri="http://schemas.microsoft.com/office/2006/metadata/contentType"/>
@@ -11141,4 +11153,22 @@
     <ds:schemaRef ds:uri="http://schemas.microsoft.com/internal/obd"/>
   </ds:schemaRefs>
 </ds:datastoreItem>
+</file>
+
+<file path=customXml/itemProps2.xml><?xml version="1.0" encoding="utf-8"?>
+<ds:datastoreItem xmlns:ds="http://schemas.openxmlformats.org/officeDocument/2006/customXml" ds:itemID="{6A7FA506-1E93-4CA4-B270-1F08FD18C366}">
+  <ds:schemaRefs>
+    <ds:schemaRef ds:uri="http://schemas.microsoft.com/sharepoint/v3/contenttype/forms"/>
+  </ds:schemaRefs>
+</ds:datastoreItem>
+</file>
+
+<file path=customXml/itemProps3.xml><?xml version="1.0" encoding="utf-8"?>
+<ds:datastoreItem xmlns:ds="http://schemas.openxmlformats.org/officeDocument/2006/customXml" ds:itemID="{38F4328E-77DF-41E8-952F-124AE19F1F7C}">
+  <ds:schemaRefs>
+    <ds:schemaRef ds:uri="http://schemas.microsoft.com/office/2006/metadata/properties"/>
+    <ds:schemaRef ds:uri="http://schemas.microsoft.com/office/infopath/2007/PartnerControls"/>
+    <ds:schemaRef ds:uri="71af3243-3dd4-4a8d-8c0d-dd76da1f02a5"/>
+  </ds:schemaRefs>
+</ds:datastoreItem>
 </file>
--- a/LightingTalks/Holy Freebies Batman.pptx
+++ b/LightingTalks/Holy Freebies Batman.pptx
@@ -9895,6 +9895,22 @@
               <a:rPr lang="en-US" dirty="0"/>
               <a:t>Notepad++</a:t>
             </a:r>
+          </a:p>
+          <a:p>
+            <a:pPr marL="457200" indent="-457200">
+              <a:buClr>
+                <a:schemeClr val="tx1">
+                  <a:lumMod val="75000"/>
+                  <a:lumOff val="25000"/>
+                </a:schemeClr>
+              </a:buClr>
+              <a:buAutoNum type="arabicPeriod"/>
+            </a:pPr>
+            <a:r>
+              <a:rPr lang="en-US"/>
+              <a:t>Git Hub</a:t>
+            </a:r>
+            <a:endParaRPr lang="en-US" dirty="0"/>
           </a:p>
           <a:p>
             <a:pPr marL="457200" indent="-457200">
@@ -10898,6 +10914,24 @@
 </file>
 
 <file path=customXml/item1.xml><?xml version="1.0" encoding="utf-8"?>
+<p:properties xmlns:p="http://schemas.microsoft.com/office/2006/metadata/properties" xmlns:xsi="http://www.w3.org/2001/XMLSchema-instance" xmlns:pc="http://schemas.microsoft.com/office/infopath/2007/PartnerControls">
+  <documentManagement>
+    <Status xmlns="71af3243-3dd4-4a8d-8c0d-dd76da1f02a5">Not started</Status>
+    <MediaServiceKeyPoints xmlns="71af3243-3dd4-4a8d-8c0d-dd76da1f02a5" xsi:nil="true"/>
+  </documentManagement>
+</p:properties>
+</file>
+
+<file path=customXml/item2.xml><?xml version="1.0" encoding="utf-8"?>
+<?mso-contentType ?>
+<FormTemplates xmlns="http://schemas.microsoft.com/sharepoint/v3/contenttype/forms">
+  <Display>DocumentLibraryForm</Display>
+  <Edit>DocumentLibraryForm</Edit>
+  <New>DocumentLibraryForm</New>
+</FormTemplates>
+</file>
+
+<file path=customXml/item3.xml><?xml version="1.0" encoding="utf-8"?>
 <ct:contentTypeSchema xmlns:ct="http://schemas.microsoft.com/office/2006/metadata/contentType" xmlns:ma="http://schemas.microsoft.com/office/2006/metadata/properties/metaAttributes" ct:_="" ma:_="" ma:contentTypeName="Document" ma:contentTypeID="0x01010079F111ED35F8CC479449609E8A0923A6" ma:contentTypeVersion="12" ma:contentTypeDescription="Create a new document." ma:contentTypeScope="" ma:versionID="fa6e671f1cd7e4d96ff9652be322dd5e">
   <xsd:schema xmlns:xsd="http://www.w3.org/2001/XMLSchema" xmlns:xs="http://www.w3.org/2001/XMLSchema" xmlns:p="http://schemas.microsoft.com/office/2006/metadata/properties" xmlns:ns2="71af3243-3dd4-4a8d-8c0d-dd76da1f02a5" xmlns:ns3="16c05727-aa75-4e4a-9b5f-8a80a1165891" targetNamespace="http://schemas.microsoft.com/office/2006/metadata/properties" ma:root="true" ma:fieldsID="4e2496f70b101db0b8013f30a071bbf7" ns2:_="" ns3:_="">
     <xsd:import namespace="71af3243-3dd4-4a8d-8c0d-dd76da1f02a5"/>
@@ -11118,25 +11152,25 @@
 </ct:contentTypeSchema>
 </file>
 
-<file path=customXml/item2.xml><?xml version="1.0" encoding="utf-8"?>
-<?mso-contentType ?>
-<FormTemplates xmlns="http://schemas.microsoft.com/sharepoint/v3/contenttype/forms">
-  <Display>DocumentLibraryForm</Display>
-  <Edit>DocumentLibraryForm</Edit>
-  <New>DocumentLibraryForm</New>
-</FormTemplates>
+<file path=customXml/itemProps1.xml><?xml version="1.0" encoding="utf-8"?>
+<ds:datastoreItem xmlns:ds="http://schemas.openxmlformats.org/officeDocument/2006/customXml" ds:itemID="{38F4328E-77DF-41E8-952F-124AE19F1F7C}">
+  <ds:schemaRefs>
+    <ds:schemaRef ds:uri="http://schemas.microsoft.com/office/2006/metadata/properties"/>
+    <ds:schemaRef ds:uri="http://schemas.microsoft.com/office/infopath/2007/PartnerControls"/>
+    <ds:schemaRef ds:uri="71af3243-3dd4-4a8d-8c0d-dd76da1f02a5"/>
+  </ds:schemaRefs>
+</ds:datastoreItem>
 </file>
 
-<file path=customXml/item3.xml><?xml version="1.0" encoding="utf-8"?>
-<p:properties xmlns:p="http://schemas.microsoft.com/office/2006/metadata/properties" xmlns:xsi="http://www.w3.org/2001/XMLSchema-instance" xmlns:pc="http://schemas.microsoft.com/office/infopath/2007/PartnerControls">
-  <documentManagement>
-    <Status xmlns="71af3243-3dd4-4a8d-8c0d-dd76da1f02a5">Not started</Status>
-    <MediaServiceKeyPoints xmlns="71af3243-3dd4-4a8d-8c0d-dd76da1f02a5" xsi:nil="true"/>
-  </documentManagement>
-</p:properties>
+<file path=customXml/itemProps2.xml><?xml version="1.0" encoding="utf-8"?>
+<ds:datastoreItem xmlns:ds="http://schemas.openxmlformats.org/officeDocument/2006/customXml" ds:itemID="{6A7FA506-1E93-4CA4-B270-1F08FD18C366}">
+  <ds:schemaRefs>
+    <ds:schemaRef ds:uri="http://schemas.microsoft.com/sharepoint/v3/contenttype/forms"/>
+  </ds:schemaRefs>
+</ds:datastoreItem>
 </file>
 
-<file path=customXml/itemProps1.xml><?xml version="1.0" encoding="utf-8"?>
+<file path=customXml/itemProps3.xml><?xml version="1.0" encoding="utf-8"?>
 <ds:datastoreItem xmlns:ds="http://schemas.openxmlformats.org/officeDocument/2006/customXml" ds:itemID="{1F2FE978-FCBC-4C90-A410-B547AA706062}">
   <ds:schemaRefs>
     <ds:schemaRef ds:uri="http://schemas.microsoft.com/office/2006/metadata/contentType"/>
@@ -11153,22 +11187,4 @@
     <ds:schemaRef ds:uri="http://schemas.microsoft.com/internal/obd"/>
   </ds:schemaRefs>
 </ds:datastoreItem>
-</file>
-
-<file path=customXml/itemProps2.xml><?xml version="1.0" encoding="utf-8"?>
-<ds:datastoreItem xmlns:ds="http://schemas.openxmlformats.org/officeDocument/2006/customXml" ds:itemID="{6A7FA506-1E93-4CA4-B270-1F08FD18C366}">
-  <ds:schemaRefs>
-    <ds:schemaRef ds:uri="http://schemas.microsoft.com/sharepoint/v3/contenttype/forms"/>
-  </ds:schemaRefs>
-</ds:datastoreItem>
-</file>
-
-<file path=customXml/itemProps3.xml><?xml version="1.0" encoding="utf-8"?>
-<ds:datastoreItem xmlns:ds="http://schemas.openxmlformats.org/officeDocument/2006/customXml" ds:itemID="{38F4328E-77DF-41E8-952F-124AE19F1F7C}">
-  <ds:schemaRefs>
-    <ds:schemaRef ds:uri="http://schemas.microsoft.com/office/2006/metadata/properties"/>
-    <ds:schemaRef ds:uri="http://schemas.microsoft.com/office/infopath/2007/PartnerControls"/>
-    <ds:schemaRef ds:uri="71af3243-3dd4-4a8d-8c0d-dd76da1f02a5"/>
-  </ds:schemaRefs>
-</ds:datastoreItem>
 </file>
--- a/LightingTalks/Holy Freebies Batman.pptx
+++ b/LightingTalks/Holy Freebies Batman.pptx
@@ -209,7 +209,7 @@
           <a:p>
             <a:fld id="{B678F0B6-0EC1-4F59-AA5F-8ED30695FA92}" type="datetimeFigureOut">
               <a:rPr lang="en-US" smtClean="0"/>
-              <a:t>6/24/2020</a:t>
+              <a:t>6/26/2020</a:t>
             </a:fld>
             <a:endParaRPr lang="en-US"/>
           </a:p>
@@ -521,585 +521,18 @@
           <a:lstStyle/>
           <a:p>
             <a:r>
-              <a:rPr lang="en-US" sz="1200" b="0" i="0" kern="1200" dirty="0">
-                <a:solidFill>
-                  <a:schemeClr val="tx1"/>
-                </a:solidFill>
-                <a:effectLst/>
-                <a:latin typeface="+mn-lt"/>
-                <a:ea typeface="+mn-ea"/>
-                <a:cs typeface="+mn-cs"/>
-              </a:rPr>
-              <a:t>a.       </a:t>
-            </a:r>
-            <a:r>
-              <a:rPr lang="en-US" sz="1200" b="1" i="0" kern="1200" dirty="0">
-                <a:solidFill>
-                  <a:schemeClr val="tx1"/>
-                </a:solidFill>
-                <a:effectLst/>
-                <a:latin typeface="+mn-lt"/>
-                <a:ea typeface="+mn-ea"/>
-                <a:cs typeface="+mn-cs"/>
-                <a:hlinkClick r:id="rId3"/>
-              </a:rPr>
-              <a:t>YouTube </a:t>
-            </a:r>
-            <a:r>
-              <a:rPr lang="en-US" sz="1200" b="0" i="0" kern="1200" dirty="0">
-                <a:solidFill>
-                  <a:schemeClr val="tx1"/>
-                </a:solidFill>
-                <a:effectLst/>
-                <a:latin typeface="+mn-lt"/>
-                <a:ea typeface="+mn-ea"/>
-                <a:cs typeface="+mn-cs"/>
-              </a:rPr>
-              <a:t>– There is a wealth of information available. You just need to find a presenter that you can relate to.  Here is a list of the channels I subscribe to: favorites:</a:t>
-            </a:r>
-          </a:p>
-          <a:p>
-            <a:r>
-              <a:rPr lang="en-US" sz="1200" b="0" i="0" kern="1200" dirty="0">
-                <a:solidFill>
-                  <a:schemeClr val="tx1"/>
-                </a:solidFill>
-                <a:effectLst/>
-                <a:latin typeface="+mn-lt"/>
-                <a:ea typeface="+mn-ea"/>
-                <a:cs typeface="+mn-cs"/>
-              </a:rPr>
-              <a:t>a.       .Net</a:t>
-            </a:r>
-          </a:p>
-          <a:p>
-            <a:r>
-              <a:rPr lang="en-US" sz="1200" b="0" i="0" kern="1200" dirty="0">
-                <a:solidFill>
-                  <a:schemeClr val="tx1"/>
-                </a:solidFill>
-                <a:effectLst/>
-                <a:latin typeface="+mn-lt"/>
-                <a:ea typeface="+mn-ea"/>
-                <a:cs typeface="+mn-cs"/>
-              </a:rPr>
-              <a:t>                                                                                                   </a:t>
-            </a:r>
-            <a:r>
-              <a:rPr lang="en-US" sz="1200" b="0" i="0" kern="1200" dirty="0" err="1">
-                <a:solidFill>
-                  <a:schemeClr val="tx1"/>
-                </a:solidFill>
-                <a:effectLst/>
-                <a:latin typeface="+mn-lt"/>
-                <a:ea typeface="+mn-ea"/>
-                <a:cs typeface="+mn-cs"/>
-              </a:rPr>
-              <a:t>i</a:t>
-            </a:r>
-            <a:r>
-              <a:rPr lang="en-US" sz="1200" b="0" i="0" kern="1200" dirty="0">
-                <a:solidFill>
-                  <a:schemeClr val="tx1"/>
-                </a:solidFill>
-                <a:effectLst/>
-                <a:latin typeface="+mn-lt"/>
-                <a:ea typeface="+mn-ea"/>
-                <a:cs typeface="+mn-cs"/>
-              </a:rPr>
-              <a:t>.      </a:t>
-            </a:r>
-            <a:r>
-              <a:rPr lang="en-US" sz="1200" b="0" i="0" kern="1200" dirty="0" err="1">
-                <a:solidFill>
-                  <a:schemeClr val="tx1"/>
-                </a:solidFill>
-                <a:effectLst/>
-                <a:latin typeface="+mn-lt"/>
-                <a:ea typeface="+mn-ea"/>
-                <a:cs typeface="+mn-cs"/>
-                <a:hlinkClick r:id="rId3"/>
-              </a:rPr>
-              <a:t>IAmTimCorey</a:t>
-            </a:r>
-            <a:r>
-              <a:rPr lang="en-US" sz="1200" b="0" i="0" kern="1200" dirty="0">
-                <a:solidFill>
-                  <a:schemeClr val="tx1"/>
-                </a:solidFill>
-                <a:effectLst/>
-                <a:latin typeface="+mn-lt"/>
-                <a:ea typeface="+mn-ea"/>
-                <a:cs typeface="+mn-cs"/>
-              </a:rPr>
-              <a:t> – C#</a:t>
-            </a:r>
-          </a:p>
-          <a:p>
-            <a:r>
-              <a:rPr lang="en-US" sz="1200" b="0" i="0" kern="1200" dirty="0">
-                <a:solidFill>
-                  <a:schemeClr val="tx1"/>
-                </a:solidFill>
-                <a:effectLst/>
-                <a:latin typeface="+mn-lt"/>
-                <a:ea typeface="+mn-ea"/>
-                <a:cs typeface="+mn-cs"/>
-              </a:rPr>
-              <a:t>                                                                                                 ii.      </a:t>
-            </a:r>
-            <a:r>
-              <a:rPr lang="en-US" sz="1200" b="0" i="0" kern="1200" dirty="0">
-                <a:solidFill>
-                  <a:schemeClr val="tx1"/>
-                </a:solidFill>
-                <a:effectLst/>
-                <a:latin typeface="+mn-lt"/>
-                <a:ea typeface="+mn-ea"/>
-                <a:cs typeface="+mn-cs"/>
-                <a:hlinkClick r:id="rId3"/>
-              </a:rPr>
-              <a:t>.Net Foundation</a:t>
-            </a:r>
-            <a:r>
-              <a:rPr lang="en-US" sz="1200" b="0" i="0" kern="1200" dirty="0">
-                <a:solidFill>
-                  <a:schemeClr val="tx1"/>
-                </a:solidFill>
-                <a:effectLst/>
-                <a:latin typeface="+mn-lt"/>
-                <a:ea typeface="+mn-ea"/>
-                <a:cs typeface="+mn-cs"/>
-              </a:rPr>
-              <a:t> - .Net in general</a:t>
-            </a:r>
-          </a:p>
-          <a:p>
-            <a:r>
-              <a:rPr lang="en-US" sz="1200" b="0" i="0" kern="1200" dirty="0">
-                <a:solidFill>
-                  <a:schemeClr val="tx1"/>
-                </a:solidFill>
-                <a:effectLst/>
-                <a:latin typeface="+mn-lt"/>
-                <a:ea typeface="+mn-ea"/>
-                <a:cs typeface="+mn-cs"/>
-              </a:rPr>
-              <a:t>                                                                                               iii.      </a:t>
-            </a:r>
-            <a:r>
-              <a:rPr lang="en-US" sz="1200" b="0" i="0" kern="1200" dirty="0">
-                <a:solidFill>
-                  <a:schemeClr val="tx1"/>
-                </a:solidFill>
-                <a:effectLst/>
-                <a:latin typeface="+mn-lt"/>
-                <a:ea typeface="+mn-ea"/>
-                <a:cs typeface="+mn-cs"/>
-                <a:hlinkClick r:id="rId3"/>
-              </a:rPr>
-              <a:t>Code Foundry</a:t>
-            </a:r>
-            <a:r>
-              <a:rPr lang="en-US" sz="1200" b="0" i="0" kern="1200" dirty="0">
-                <a:solidFill>
-                  <a:schemeClr val="tx1"/>
-                </a:solidFill>
-                <a:effectLst/>
-                <a:latin typeface="+mn-lt"/>
-                <a:ea typeface="+mn-ea"/>
-                <a:cs typeface="+mn-cs"/>
-              </a:rPr>
-              <a:t> – C#</a:t>
-            </a:r>
-          </a:p>
-          <a:p>
-            <a:r>
-              <a:rPr lang="en-US" sz="1200" b="0" i="0" kern="1200" dirty="0">
-                <a:solidFill>
-                  <a:schemeClr val="tx1"/>
-                </a:solidFill>
-                <a:effectLst/>
-                <a:latin typeface="+mn-lt"/>
-                <a:ea typeface="+mn-ea"/>
-                <a:cs typeface="+mn-cs"/>
-              </a:rPr>
-              <a:t>                                                                                                iv.     </a:t>
-            </a:r>
-            <a:r>
-              <a:rPr lang="en-US" sz="1200" b="0" i="0" kern="1200" dirty="0">
-                <a:solidFill>
-                  <a:schemeClr val="tx1"/>
-                </a:solidFill>
-                <a:effectLst/>
-                <a:latin typeface="+mn-lt"/>
-                <a:ea typeface="+mn-ea"/>
-                <a:cs typeface="+mn-cs"/>
-                <a:hlinkClick r:id="rId3"/>
-              </a:rPr>
-              <a:t> AK Academy</a:t>
-            </a:r>
-            <a:r>
-              <a:rPr lang="en-US" sz="1200" b="0" i="0" kern="1200" dirty="0">
-                <a:solidFill>
-                  <a:schemeClr val="tx1"/>
-                </a:solidFill>
-                <a:effectLst/>
-                <a:latin typeface="+mn-lt"/>
-                <a:ea typeface="+mn-ea"/>
-                <a:cs typeface="+mn-cs"/>
-              </a:rPr>
-              <a:t> – Blazor</a:t>
-            </a:r>
-          </a:p>
-          <a:p>
-            <a:r>
-              <a:rPr lang="en-US" sz="1200" b="0" i="0" kern="1200" dirty="0">
-                <a:solidFill>
-                  <a:schemeClr val="tx1"/>
-                </a:solidFill>
-                <a:effectLst/>
-                <a:latin typeface="+mn-lt"/>
-                <a:ea typeface="+mn-ea"/>
-                <a:cs typeface="+mn-cs"/>
-              </a:rPr>
-              <a:t>b.       Web</a:t>
-            </a:r>
-          </a:p>
-          <a:p>
-            <a:r>
-              <a:rPr lang="en-US" sz="1200" b="0" i="0" kern="1200" dirty="0">
-                <a:solidFill>
-                  <a:schemeClr val="tx1"/>
-                </a:solidFill>
-                <a:effectLst/>
-                <a:latin typeface="+mn-lt"/>
-                <a:ea typeface="+mn-ea"/>
-                <a:cs typeface="+mn-cs"/>
-              </a:rPr>
-              <a:t>                                                                                                   </a:t>
-            </a:r>
-            <a:r>
-              <a:rPr lang="en-US" sz="1200" b="0" i="0" kern="1200" dirty="0" err="1">
-                <a:solidFill>
-                  <a:schemeClr val="tx1"/>
-                </a:solidFill>
-                <a:effectLst/>
-                <a:latin typeface="+mn-lt"/>
-                <a:ea typeface="+mn-ea"/>
-                <a:cs typeface="+mn-cs"/>
-              </a:rPr>
-              <a:t>i</a:t>
-            </a:r>
-            <a:r>
-              <a:rPr lang="en-US" sz="1200" b="0" i="0" kern="1200" dirty="0">
-                <a:solidFill>
-                  <a:schemeClr val="tx1"/>
-                </a:solidFill>
-                <a:effectLst/>
-                <a:latin typeface="+mn-lt"/>
-                <a:ea typeface="+mn-ea"/>
-                <a:cs typeface="+mn-cs"/>
-              </a:rPr>
-              <a:t>.      </a:t>
-            </a:r>
-            <a:r>
-              <a:rPr lang="en-US" sz="1200" b="0" i="0" kern="1200" dirty="0" err="1">
-                <a:solidFill>
-                  <a:schemeClr val="tx1"/>
-                </a:solidFill>
-                <a:effectLst/>
-                <a:latin typeface="+mn-lt"/>
-                <a:ea typeface="+mn-ea"/>
-                <a:cs typeface="+mn-cs"/>
-                <a:hlinkClick r:id="rId3"/>
-              </a:rPr>
-              <a:t>Travery</a:t>
-            </a:r>
-            <a:r>
-              <a:rPr lang="en-US" sz="1200" b="0" i="0" kern="1200" dirty="0">
-                <a:solidFill>
-                  <a:schemeClr val="tx1"/>
-                </a:solidFill>
-                <a:effectLst/>
-                <a:latin typeface="+mn-lt"/>
-                <a:ea typeface="+mn-ea"/>
-                <a:cs typeface="+mn-cs"/>
-                <a:hlinkClick r:id="rId3"/>
-              </a:rPr>
-              <a:t> Media</a:t>
-            </a:r>
-            <a:endParaRPr lang="en-US" sz="1200" b="0" i="0" kern="1200" dirty="0">
-              <a:solidFill>
-                <a:schemeClr val="tx1"/>
-              </a:solidFill>
-              <a:effectLst/>
-              <a:latin typeface="+mn-lt"/>
-              <a:ea typeface="+mn-ea"/>
-              <a:cs typeface="+mn-cs"/>
-            </a:endParaRPr>
-          </a:p>
-          <a:p>
-            <a:r>
-              <a:rPr lang="en-US" sz="1200" b="0" i="0" kern="1200" dirty="0">
-                <a:solidFill>
-                  <a:schemeClr val="tx1"/>
-                </a:solidFill>
-                <a:effectLst/>
-                <a:latin typeface="+mn-lt"/>
-                <a:ea typeface="+mn-ea"/>
-                <a:cs typeface="+mn-cs"/>
-              </a:rPr>
-              <a:t>                                                                                                 ii.      </a:t>
-            </a:r>
-            <a:r>
-              <a:rPr lang="en-US" sz="1200" b="0" i="0" kern="1200" dirty="0">
-                <a:solidFill>
-                  <a:schemeClr val="tx1"/>
-                </a:solidFill>
-                <a:effectLst/>
-                <a:latin typeface="+mn-lt"/>
-                <a:ea typeface="+mn-ea"/>
-                <a:cs typeface="+mn-cs"/>
-                <a:hlinkClick r:id="rId3"/>
-              </a:rPr>
-              <a:t>Design Course</a:t>
-            </a:r>
-            <a:endParaRPr lang="en-US" sz="1200" b="0" i="0" kern="1200" dirty="0">
-              <a:solidFill>
-                <a:schemeClr val="tx1"/>
-              </a:solidFill>
-              <a:effectLst/>
-              <a:latin typeface="+mn-lt"/>
-              <a:ea typeface="+mn-ea"/>
-              <a:cs typeface="+mn-cs"/>
-            </a:endParaRPr>
-          </a:p>
-          <a:p>
-            <a:r>
-              <a:rPr lang="en-US" sz="1200" b="0" i="0" kern="1200" dirty="0">
-                <a:solidFill>
-                  <a:schemeClr val="tx1"/>
-                </a:solidFill>
-                <a:effectLst/>
-                <a:latin typeface="+mn-lt"/>
-                <a:ea typeface="+mn-ea"/>
-                <a:cs typeface="+mn-cs"/>
-              </a:rPr>
-              <a:t>c.       General Development</a:t>
-            </a:r>
-          </a:p>
-          <a:p>
-            <a:r>
-              <a:rPr lang="en-US" sz="1200" b="0" i="0" kern="1200" dirty="0">
-                <a:solidFill>
-                  <a:schemeClr val="tx1"/>
-                </a:solidFill>
-                <a:effectLst/>
-                <a:latin typeface="+mn-lt"/>
-                <a:ea typeface="+mn-ea"/>
-                <a:cs typeface="+mn-cs"/>
-              </a:rPr>
-              <a:t>                                                                                                   </a:t>
-            </a:r>
-            <a:r>
-              <a:rPr lang="en-US" sz="1200" b="0" i="0" kern="1200" dirty="0" err="1">
-                <a:solidFill>
-                  <a:schemeClr val="tx1"/>
-                </a:solidFill>
-                <a:effectLst/>
-                <a:latin typeface="+mn-lt"/>
-                <a:ea typeface="+mn-ea"/>
-                <a:cs typeface="+mn-cs"/>
-              </a:rPr>
-              <a:t>i</a:t>
-            </a:r>
-            <a:r>
-              <a:rPr lang="en-US" sz="1200" b="0" i="0" kern="1200" dirty="0">
-                <a:solidFill>
-                  <a:schemeClr val="tx1"/>
-                </a:solidFill>
-                <a:effectLst/>
-                <a:latin typeface="+mn-lt"/>
-                <a:ea typeface="+mn-ea"/>
-                <a:cs typeface="+mn-cs"/>
-              </a:rPr>
-              <a:t>.      </a:t>
-            </a:r>
-            <a:r>
-              <a:rPr lang="en-US" sz="1200" b="0" i="0" kern="1200" dirty="0">
-                <a:solidFill>
-                  <a:schemeClr val="tx1"/>
-                </a:solidFill>
-                <a:effectLst/>
-                <a:latin typeface="+mn-lt"/>
-                <a:ea typeface="+mn-ea"/>
-                <a:cs typeface="+mn-cs"/>
-                <a:hlinkClick r:id="rId3"/>
-              </a:rPr>
-              <a:t>Scott </a:t>
-            </a:r>
-            <a:r>
-              <a:rPr lang="en-US" sz="1200" b="0" i="0" kern="1200" dirty="0" err="1">
-                <a:solidFill>
-                  <a:schemeClr val="tx1"/>
-                </a:solidFill>
-                <a:effectLst/>
-                <a:latin typeface="+mn-lt"/>
-                <a:ea typeface="+mn-ea"/>
-                <a:cs typeface="+mn-cs"/>
-                <a:hlinkClick r:id="rId3"/>
-              </a:rPr>
-              <a:t>Hanselman</a:t>
-            </a:r>
-            <a:endParaRPr lang="en-US" sz="1200" b="0" i="0" kern="1200" dirty="0">
-              <a:solidFill>
-                <a:schemeClr val="tx1"/>
-              </a:solidFill>
-              <a:effectLst/>
-              <a:latin typeface="+mn-lt"/>
-              <a:ea typeface="+mn-ea"/>
-              <a:cs typeface="+mn-cs"/>
-            </a:endParaRPr>
-          </a:p>
-          <a:p>
-            <a:r>
-              <a:rPr lang="en-US" sz="1200" b="0" i="0" kern="1200" dirty="0">
-                <a:solidFill>
-                  <a:schemeClr val="tx1"/>
-                </a:solidFill>
-                <a:effectLst/>
-                <a:latin typeface="+mn-lt"/>
-                <a:ea typeface="+mn-ea"/>
-                <a:cs typeface="+mn-cs"/>
-              </a:rPr>
-              <a:t>b.       </a:t>
-            </a:r>
-            <a:r>
-              <a:rPr lang="en-US" sz="1200" b="1" i="0" kern="1200" dirty="0">
-                <a:solidFill>
-                  <a:schemeClr val="tx1"/>
-                </a:solidFill>
-                <a:effectLst/>
-                <a:latin typeface="+mn-lt"/>
-                <a:ea typeface="+mn-ea"/>
-                <a:cs typeface="+mn-cs"/>
-                <a:hlinkClick r:id="rId3"/>
-              </a:rPr>
-              <a:t>Microsoft Learn</a:t>
-            </a:r>
-            <a:r>
-              <a:rPr lang="en-US" sz="1200" b="1" i="0" kern="1200" dirty="0">
-                <a:solidFill>
-                  <a:schemeClr val="tx1"/>
-                </a:solidFill>
-                <a:effectLst/>
-                <a:latin typeface="+mn-lt"/>
-                <a:ea typeface="+mn-ea"/>
-                <a:cs typeface="+mn-cs"/>
-              </a:rPr>
-              <a:t> - </a:t>
-            </a:r>
-            <a:r>
-              <a:rPr lang="en-US" dirty="0">
-                <a:hlinkClick r:id="rId4"/>
-              </a:rPr>
-              <a:t>https://docs.microsoft.com/en-us/learn/</a:t>
-            </a:r>
-            <a:endParaRPr lang="en-US" sz="1200" b="0" i="0" kern="1200" dirty="0">
-              <a:solidFill>
-                <a:schemeClr val="tx1"/>
-              </a:solidFill>
-              <a:effectLst/>
-              <a:latin typeface="+mn-lt"/>
-              <a:ea typeface="+mn-ea"/>
-              <a:cs typeface="+mn-cs"/>
-            </a:endParaRPr>
-          </a:p>
-          <a:p>
-            <a:r>
-              <a:rPr lang="en-US" sz="1200" b="0" i="0" kern="1200" dirty="0">
-                <a:solidFill>
-                  <a:schemeClr val="tx1"/>
-                </a:solidFill>
-                <a:effectLst/>
-                <a:latin typeface="+mn-lt"/>
-                <a:ea typeface="+mn-ea"/>
-                <a:cs typeface="+mn-cs"/>
-              </a:rPr>
-              <a:t>a.       They cover more than just Microsoft.  They cover more than just Microsoft technologies.  They have cover AI, data analytics and DevOps.  They recently added Learn TV for video content.</a:t>
-            </a:r>
-          </a:p>
-          <a:p>
-            <a:r>
-              <a:rPr lang="en-US" sz="1200" b="0" i="0" kern="1200" dirty="0">
-                <a:solidFill>
-                  <a:schemeClr val="tx1"/>
-                </a:solidFill>
-                <a:effectLst/>
-                <a:latin typeface="+mn-lt"/>
-                <a:ea typeface="+mn-ea"/>
-                <a:cs typeface="+mn-cs"/>
-              </a:rPr>
-              <a:t>c.       </a:t>
-            </a:r>
-            <a:r>
-              <a:rPr lang="en-US" sz="1200" b="0" i="0" kern="1200" dirty="0">
-                <a:solidFill>
-                  <a:schemeClr val="tx1"/>
-                </a:solidFill>
-                <a:effectLst/>
-                <a:latin typeface="+mn-lt"/>
-                <a:ea typeface="+mn-ea"/>
-                <a:cs typeface="+mn-cs"/>
-                <a:hlinkClick r:id="rId3"/>
-              </a:rPr>
-              <a:t>Google Developers Training</a:t>
-            </a:r>
-            <a:r>
-              <a:rPr lang="en-US" sz="1200" b="0" i="0" kern="1200" dirty="0">
-                <a:solidFill>
-                  <a:schemeClr val="tx1"/>
-                </a:solidFill>
-                <a:effectLst/>
-                <a:latin typeface="+mn-lt"/>
-                <a:ea typeface="+mn-ea"/>
-                <a:cs typeface="+mn-cs"/>
-              </a:rPr>
-              <a:t> - </a:t>
-            </a:r>
-            <a:r>
-              <a:rPr lang="en-US" dirty="0">
-                <a:hlinkClick r:id="rId5"/>
-              </a:rPr>
-              <a:t>https://developers.google.com/training</a:t>
-            </a:r>
-            <a:endParaRPr lang="en-US" sz="1200" b="0" i="0" kern="1200" dirty="0">
-              <a:solidFill>
-                <a:schemeClr val="tx1"/>
-              </a:solidFill>
-              <a:effectLst/>
-              <a:latin typeface="+mn-lt"/>
-              <a:ea typeface="+mn-ea"/>
-              <a:cs typeface="+mn-cs"/>
-            </a:endParaRPr>
-          </a:p>
-          <a:p>
-            <a:r>
-              <a:rPr lang="en-US" sz="1200" b="0" i="0" kern="1200" dirty="0">
-                <a:solidFill>
-                  <a:schemeClr val="tx1"/>
-                </a:solidFill>
-                <a:effectLst/>
-                <a:latin typeface="+mn-lt"/>
-                <a:ea typeface="+mn-ea"/>
-                <a:cs typeface="+mn-cs"/>
-              </a:rPr>
-              <a:t>a.       Covers Web and Android training</a:t>
+              <a:rPr lang="en-US" dirty="0"/>
+              <a:t>Welcome</a:t>
             </a:r>
           </a:p>
           <a:p>
             <a:endParaRPr lang="en-US" dirty="0"/>
+          </a:p>
+          <a:p>
+            <a:r>
+              <a:rPr lang="en-US" dirty="0"/>
+              <a:t>I got ambition last weekend and went down a rabbit hole looking for some resources.  Here is the list I ended up with</a:t>
+            </a:r>
           </a:p>
         </p:txBody>
       </p:sp>
@@ -1120,7 +553,7 @@
           <a:p>
             <a:fld id="{84D2F5CF-7AD6-48EE-9BAD-8C9D5418D283}" type="slidenum">
               <a:rPr lang="en-US" smtClean="0"/>
-              <a:t>4</a:t>
+              <a:t>1</a:t>
             </a:fld>
             <a:endParaRPr lang="en-US"/>
           </a:p>
@@ -1129,7 +562,7 @@
     </p:spTree>
     <p:extLst>
       <p:ext uri="{BB962C8B-B14F-4D97-AF65-F5344CB8AC3E}">
-        <p14:creationId xmlns:p14="http://schemas.microsoft.com/office/powerpoint/2010/main" val="2527737212"/>
+        <p14:creationId xmlns:p14="http://schemas.microsoft.com/office/powerpoint/2010/main" val="1473203753"/>
       </p:ext>
     </p:extLst>
   </p:cSld>
@@ -1183,12 +616,6 @@
           <a:bodyPr/>
           <a:lstStyle/>
           <a:p>
-            <a:r>
-              <a:rPr lang="en-US" dirty="0">
-                <a:hlinkClick r:id="rId3"/>
-              </a:rPr>
-              <a:t>https://github.com/bradtraversy/design-resources-for-developers</a:t>
-            </a:r>
             <a:endParaRPr lang="en-US" dirty="0"/>
           </a:p>
         </p:txBody>
@@ -1210,7 +637,7 @@
           <a:p>
             <a:fld id="{84D2F5CF-7AD6-48EE-9BAD-8C9D5418D283}" type="slidenum">
               <a:rPr lang="en-US" smtClean="0"/>
-              <a:t>5</a:t>
+              <a:t>2</a:t>
             </a:fld>
             <a:endParaRPr lang="en-US"/>
           </a:p>
@@ -1219,7 +646,7 @@
     </p:spTree>
     <p:extLst>
       <p:ext uri="{BB962C8B-B14F-4D97-AF65-F5344CB8AC3E}">
-        <p14:creationId xmlns:p14="http://schemas.microsoft.com/office/powerpoint/2010/main" val="3004201768"/>
+        <p14:creationId xmlns:p14="http://schemas.microsoft.com/office/powerpoint/2010/main" val="2019844486"/>
       </p:ext>
     </p:extLst>
   </p:cSld>
@@ -1274,36 +701,9 @@
           <a:lstStyle/>
           <a:p>
             <a:r>
-              <a:rPr lang="en-US" dirty="0">
-                <a:hlinkClick r:id="rId3"/>
-              </a:rPr>
-              <a:t>https://html5up.net/</a:t>
-            </a:r>
-            <a:endParaRPr lang="en-US" dirty="0"/>
-          </a:p>
-          <a:p>
-            <a:endParaRPr lang="en-US" dirty="0"/>
-          </a:p>
-          <a:p>
-            <a:r>
-              <a:rPr lang="en-US" dirty="0">
-                <a:hlinkClick r:id="rId4"/>
-              </a:rPr>
-              <a:t>https://themewagon.com/theme_tag/free/</a:t>
-            </a:r>
-            <a:endParaRPr lang="en-US" dirty="0"/>
-          </a:p>
-          <a:p>
-            <a:endParaRPr lang="en-US" dirty="0"/>
-          </a:p>
-          <a:p>
-            <a:r>
-              <a:rPr lang="en-US" dirty="0">
-                <a:hlinkClick r:id="rId5"/>
-              </a:rPr>
-              <a:t>https://templated.co/</a:t>
-            </a:r>
-            <a:endParaRPr lang="en-US" dirty="0"/>
+              <a:rPr lang="en-US" dirty="0"/>
+              <a:t>These are the resource areas we will be covering</a:t>
+            </a:r>
           </a:p>
         </p:txBody>
       </p:sp>
@@ -1324,7 +724,7 @@
           <a:p>
             <a:fld id="{84D2F5CF-7AD6-48EE-9BAD-8C9D5418D283}" type="slidenum">
               <a:rPr lang="en-US" smtClean="0"/>
-              <a:t>6</a:t>
+              <a:t>3</a:t>
             </a:fld>
             <a:endParaRPr lang="en-US"/>
           </a:p>
@@ -1333,7 +733,7 @@
     </p:spTree>
     <p:extLst>
       <p:ext uri="{BB962C8B-B14F-4D97-AF65-F5344CB8AC3E}">
-        <p14:creationId xmlns:p14="http://schemas.microsoft.com/office/powerpoint/2010/main" val="3959582759"/>
+        <p14:creationId xmlns:p14="http://schemas.microsoft.com/office/powerpoint/2010/main" val="1564425882"/>
       </p:ext>
     </p:extLst>
   </p:cSld>
@@ -1388,27 +788,582 @@
           <a:lstStyle/>
           <a:p>
             <a:r>
-              <a:rPr lang="en-US" dirty="0">
+              <a:rPr lang="en-US" sz="1200" b="0" i="0" kern="1200" dirty="0">
+                <a:solidFill>
+                  <a:schemeClr val="tx1"/>
+                </a:solidFill>
+                <a:effectLst/>
+                <a:latin typeface="+mn-lt"/>
+                <a:ea typeface="+mn-ea"/>
+                <a:cs typeface="+mn-cs"/>
+              </a:rPr>
+              <a:t>a.       </a:t>
+            </a:r>
+            <a:r>
+              <a:rPr lang="en-US" sz="1200" b="1" i="0" kern="1200" dirty="0">
+                <a:solidFill>
+                  <a:schemeClr val="tx1"/>
+                </a:solidFill>
+                <a:effectLst/>
+                <a:latin typeface="+mn-lt"/>
+                <a:ea typeface="+mn-ea"/>
+                <a:cs typeface="+mn-cs"/>
                 <a:hlinkClick r:id="rId3"/>
               </a:rPr>
-              <a:t>https://www.syncfusion.com/products/essential-studio</a:t>
-            </a:r>
-            <a:endParaRPr lang="en-US" dirty="0"/>
-          </a:p>
-          <a:p>
-            <a:endParaRPr lang="en-US" dirty="0"/>
-          </a:p>
-          <a:p>
+              <a:t>YouTube </a:t>
+            </a:r>
+            <a:r>
+              <a:rPr lang="en-US" sz="1200" b="0" i="0" kern="1200" dirty="0">
+                <a:solidFill>
+                  <a:schemeClr val="tx1"/>
+                </a:solidFill>
+                <a:effectLst/>
+                <a:latin typeface="+mn-lt"/>
+                <a:ea typeface="+mn-ea"/>
+                <a:cs typeface="+mn-cs"/>
+              </a:rPr>
+              <a:t>– There is a wealth of information available. You just need to find a presenter that you can relate to.  Here is a list of the channels I subscribe to: favorites:</a:t>
+            </a:r>
+          </a:p>
+          <a:p>
+            <a:r>
+              <a:rPr lang="en-US" sz="1200" b="0" i="0" kern="1200" dirty="0">
+                <a:solidFill>
+                  <a:schemeClr val="tx1"/>
+                </a:solidFill>
+                <a:effectLst/>
+                <a:latin typeface="+mn-lt"/>
+                <a:ea typeface="+mn-ea"/>
+                <a:cs typeface="+mn-cs"/>
+              </a:rPr>
+              <a:t>a.       .Net</a:t>
+            </a:r>
+          </a:p>
+          <a:p>
+            <a:r>
+              <a:rPr lang="en-US" sz="1200" b="0" i="0" kern="1200" dirty="0">
+                <a:solidFill>
+                  <a:schemeClr val="tx1"/>
+                </a:solidFill>
+                <a:effectLst/>
+                <a:latin typeface="+mn-lt"/>
+                <a:ea typeface="+mn-ea"/>
+                <a:cs typeface="+mn-cs"/>
+              </a:rPr>
+              <a:t>                                                                                                   </a:t>
+            </a:r>
+            <a:r>
+              <a:rPr lang="en-US" sz="1200" b="0" i="0" kern="1200" dirty="0" err="1">
+                <a:solidFill>
+                  <a:schemeClr val="tx1"/>
+                </a:solidFill>
+                <a:effectLst/>
+                <a:latin typeface="+mn-lt"/>
+                <a:ea typeface="+mn-ea"/>
+                <a:cs typeface="+mn-cs"/>
+              </a:rPr>
+              <a:t>i</a:t>
+            </a:r>
+            <a:r>
+              <a:rPr lang="en-US" sz="1200" b="0" i="0" kern="1200" dirty="0">
+                <a:solidFill>
+                  <a:schemeClr val="tx1"/>
+                </a:solidFill>
+                <a:effectLst/>
+                <a:latin typeface="+mn-lt"/>
+                <a:ea typeface="+mn-ea"/>
+                <a:cs typeface="+mn-cs"/>
+              </a:rPr>
+              <a:t>.      </a:t>
+            </a:r>
+            <a:r>
+              <a:rPr lang="en-US" sz="1200" b="0" i="0" kern="1200" dirty="0" err="1">
+                <a:solidFill>
+                  <a:schemeClr val="tx1"/>
+                </a:solidFill>
+                <a:effectLst/>
+                <a:latin typeface="+mn-lt"/>
+                <a:ea typeface="+mn-ea"/>
+                <a:cs typeface="+mn-cs"/>
+                <a:hlinkClick r:id="rId3"/>
+              </a:rPr>
+              <a:t>IAmTimCorey</a:t>
+            </a:r>
+            <a:r>
+              <a:rPr lang="en-US" sz="1200" b="0" i="0" kern="1200" dirty="0">
+                <a:solidFill>
+                  <a:schemeClr val="tx1"/>
+                </a:solidFill>
+                <a:effectLst/>
+                <a:latin typeface="+mn-lt"/>
+                <a:ea typeface="+mn-ea"/>
+                <a:cs typeface="+mn-cs"/>
+              </a:rPr>
+              <a:t> – C#</a:t>
+            </a:r>
+          </a:p>
+          <a:p>
+            <a:r>
+              <a:rPr lang="en-US" sz="1200" b="0" i="0" kern="1200" dirty="0">
+                <a:solidFill>
+                  <a:schemeClr val="tx1"/>
+                </a:solidFill>
+                <a:effectLst/>
+                <a:latin typeface="+mn-lt"/>
+                <a:ea typeface="+mn-ea"/>
+                <a:cs typeface="+mn-cs"/>
+              </a:rPr>
+              <a:t>                                                                                                 ii.      </a:t>
+            </a:r>
+            <a:r>
+              <a:rPr lang="en-US" sz="1200" b="0" i="0" kern="1200" dirty="0">
+                <a:solidFill>
+                  <a:schemeClr val="tx1"/>
+                </a:solidFill>
+                <a:effectLst/>
+                <a:latin typeface="+mn-lt"/>
+                <a:ea typeface="+mn-ea"/>
+                <a:cs typeface="+mn-cs"/>
+                <a:hlinkClick r:id="rId3"/>
+              </a:rPr>
+              <a:t>.Net Foundation</a:t>
+            </a:r>
+            <a:r>
+              <a:rPr lang="en-US" sz="1200" b="0" i="0" kern="1200" dirty="0">
+                <a:solidFill>
+                  <a:schemeClr val="tx1"/>
+                </a:solidFill>
+                <a:effectLst/>
+                <a:latin typeface="+mn-lt"/>
+                <a:ea typeface="+mn-ea"/>
+                <a:cs typeface="+mn-cs"/>
+              </a:rPr>
+              <a:t> - .Net in general</a:t>
+            </a:r>
+          </a:p>
+          <a:p>
+            <a:r>
+              <a:rPr lang="en-US" sz="1200" b="0" i="0" kern="1200" dirty="0">
+                <a:solidFill>
+                  <a:schemeClr val="tx1"/>
+                </a:solidFill>
+                <a:effectLst/>
+                <a:latin typeface="+mn-lt"/>
+                <a:ea typeface="+mn-ea"/>
+                <a:cs typeface="+mn-cs"/>
+              </a:rPr>
+              <a:t>                                                                                               iii.      </a:t>
+            </a:r>
+            <a:r>
+              <a:rPr lang="en-US" sz="1200" b="0" i="0" kern="1200" dirty="0">
+                <a:solidFill>
+                  <a:schemeClr val="tx1"/>
+                </a:solidFill>
+                <a:effectLst/>
+                <a:latin typeface="+mn-lt"/>
+                <a:ea typeface="+mn-ea"/>
+                <a:cs typeface="+mn-cs"/>
+                <a:hlinkClick r:id="rId3"/>
+              </a:rPr>
+              <a:t>Code Foundry</a:t>
+            </a:r>
+            <a:r>
+              <a:rPr lang="en-US" sz="1200" b="0" i="0" kern="1200" dirty="0">
+                <a:solidFill>
+                  <a:schemeClr val="tx1"/>
+                </a:solidFill>
+                <a:effectLst/>
+                <a:latin typeface="+mn-lt"/>
+                <a:ea typeface="+mn-ea"/>
+                <a:cs typeface="+mn-cs"/>
+              </a:rPr>
+              <a:t> – C#</a:t>
+            </a:r>
+          </a:p>
+          <a:p>
+            <a:r>
+              <a:rPr lang="en-US" sz="1200" b="0" i="0" kern="1200" dirty="0">
+                <a:solidFill>
+                  <a:schemeClr val="tx1"/>
+                </a:solidFill>
+                <a:effectLst/>
+                <a:latin typeface="+mn-lt"/>
+                <a:ea typeface="+mn-ea"/>
+                <a:cs typeface="+mn-cs"/>
+              </a:rPr>
+              <a:t>                                                                                                iv.     </a:t>
+            </a:r>
+            <a:r>
+              <a:rPr lang="en-US" sz="1200" b="0" i="0" kern="1200" dirty="0">
+                <a:solidFill>
+                  <a:schemeClr val="tx1"/>
+                </a:solidFill>
+                <a:effectLst/>
+                <a:latin typeface="+mn-lt"/>
+                <a:ea typeface="+mn-ea"/>
+                <a:cs typeface="+mn-cs"/>
+                <a:hlinkClick r:id="rId3"/>
+              </a:rPr>
+              <a:t> AK Academy</a:t>
+            </a:r>
+            <a:r>
+              <a:rPr lang="en-US" sz="1200" b="0" i="0" kern="1200" dirty="0">
+                <a:solidFill>
+                  <a:schemeClr val="tx1"/>
+                </a:solidFill>
+                <a:effectLst/>
+                <a:latin typeface="+mn-lt"/>
+                <a:ea typeface="+mn-ea"/>
+                <a:cs typeface="+mn-cs"/>
+              </a:rPr>
+              <a:t> – Blazor</a:t>
+            </a:r>
+          </a:p>
+          <a:p>
+            <a:r>
+              <a:rPr lang="en-US" sz="1200" b="0" i="0" kern="1200" dirty="0">
+                <a:solidFill>
+                  <a:schemeClr val="tx1"/>
+                </a:solidFill>
+                <a:effectLst/>
+                <a:latin typeface="+mn-lt"/>
+                <a:ea typeface="+mn-ea"/>
+                <a:cs typeface="+mn-cs"/>
+              </a:rPr>
+              <a:t>b.       Web</a:t>
+            </a:r>
+          </a:p>
+          <a:p>
+            <a:r>
+              <a:rPr lang="en-US" sz="1200" b="0" i="0" kern="1200" dirty="0">
+                <a:solidFill>
+                  <a:schemeClr val="tx1"/>
+                </a:solidFill>
+                <a:effectLst/>
+                <a:latin typeface="+mn-lt"/>
+                <a:ea typeface="+mn-ea"/>
+                <a:cs typeface="+mn-cs"/>
+              </a:rPr>
+              <a:t>                                                                                                   </a:t>
+            </a:r>
+            <a:r>
+              <a:rPr lang="en-US" sz="1200" b="0" i="0" kern="1200" dirty="0" err="1">
+                <a:solidFill>
+                  <a:schemeClr val="tx1"/>
+                </a:solidFill>
+                <a:effectLst/>
+                <a:latin typeface="+mn-lt"/>
+                <a:ea typeface="+mn-ea"/>
+                <a:cs typeface="+mn-cs"/>
+              </a:rPr>
+              <a:t>i</a:t>
+            </a:r>
+            <a:r>
+              <a:rPr lang="en-US" sz="1200" b="0" i="0" kern="1200" dirty="0">
+                <a:solidFill>
+                  <a:schemeClr val="tx1"/>
+                </a:solidFill>
+                <a:effectLst/>
+                <a:latin typeface="+mn-lt"/>
+                <a:ea typeface="+mn-ea"/>
+                <a:cs typeface="+mn-cs"/>
+              </a:rPr>
+              <a:t>.      </a:t>
+            </a:r>
+            <a:r>
+              <a:rPr lang="en-US" sz="1200" b="0" i="0" kern="1200" dirty="0" err="1">
+                <a:solidFill>
+                  <a:schemeClr val="tx1"/>
+                </a:solidFill>
+                <a:effectLst/>
+                <a:latin typeface="+mn-lt"/>
+                <a:ea typeface="+mn-ea"/>
+                <a:cs typeface="+mn-cs"/>
+                <a:hlinkClick r:id="rId3"/>
+              </a:rPr>
+              <a:t>Travery</a:t>
+            </a:r>
+            <a:r>
+              <a:rPr lang="en-US" sz="1200" b="0" i="0" kern="1200" dirty="0">
+                <a:solidFill>
+                  <a:schemeClr val="tx1"/>
+                </a:solidFill>
+                <a:effectLst/>
+                <a:latin typeface="+mn-lt"/>
+                <a:ea typeface="+mn-ea"/>
+                <a:cs typeface="+mn-cs"/>
+                <a:hlinkClick r:id="rId3"/>
+              </a:rPr>
+              <a:t> Media</a:t>
+            </a:r>
+            <a:endParaRPr lang="en-US" sz="1200" b="0" i="0" kern="1200" dirty="0">
+              <a:solidFill>
+                <a:schemeClr val="tx1"/>
+              </a:solidFill>
+              <a:effectLst/>
+              <a:latin typeface="+mn-lt"/>
+              <a:ea typeface="+mn-ea"/>
+              <a:cs typeface="+mn-cs"/>
+            </a:endParaRPr>
+          </a:p>
+          <a:p>
+            <a:r>
+              <a:rPr lang="en-US" sz="1200" b="0" i="0" kern="1200" dirty="0">
+                <a:solidFill>
+                  <a:schemeClr val="tx1"/>
+                </a:solidFill>
+                <a:effectLst/>
+                <a:latin typeface="+mn-lt"/>
+                <a:ea typeface="+mn-ea"/>
+                <a:cs typeface="+mn-cs"/>
+              </a:rPr>
+              <a:t>                                                                                                 ii.      </a:t>
+            </a:r>
+            <a:r>
+              <a:rPr lang="en-US" sz="1200" b="0" i="0" kern="1200" dirty="0">
+                <a:solidFill>
+                  <a:schemeClr val="tx1"/>
+                </a:solidFill>
+                <a:effectLst/>
+                <a:latin typeface="+mn-lt"/>
+                <a:ea typeface="+mn-ea"/>
+                <a:cs typeface="+mn-cs"/>
+                <a:hlinkClick r:id="rId3"/>
+              </a:rPr>
+              <a:t>Design Course</a:t>
+            </a:r>
+            <a:endParaRPr lang="en-US" sz="1200" b="0" i="0" kern="1200" dirty="0">
+              <a:solidFill>
+                <a:schemeClr val="tx1"/>
+              </a:solidFill>
+              <a:effectLst/>
+              <a:latin typeface="+mn-lt"/>
+              <a:ea typeface="+mn-ea"/>
+              <a:cs typeface="+mn-cs"/>
+            </a:endParaRPr>
+          </a:p>
+          <a:p>
+            <a:r>
+              <a:rPr lang="en-US" sz="1200" b="0" i="0" kern="1200" dirty="0">
+                <a:solidFill>
+                  <a:schemeClr val="tx1"/>
+                </a:solidFill>
+                <a:effectLst/>
+                <a:latin typeface="+mn-lt"/>
+                <a:ea typeface="+mn-ea"/>
+                <a:cs typeface="+mn-cs"/>
+              </a:rPr>
+              <a:t>c.       General Development</a:t>
+            </a:r>
+          </a:p>
+          <a:p>
+            <a:r>
+              <a:rPr lang="en-US" sz="1200" b="0" i="0" kern="1200" dirty="0">
+                <a:solidFill>
+                  <a:schemeClr val="tx1"/>
+                </a:solidFill>
+                <a:effectLst/>
+                <a:latin typeface="+mn-lt"/>
+                <a:ea typeface="+mn-ea"/>
+                <a:cs typeface="+mn-cs"/>
+              </a:rPr>
+              <a:t>                                                                                                   </a:t>
+            </a:r>
+            <a:r>
+              <a:rPr lang="en-US" sz="1200" b="0" i="0" kern="1200" dirty="0" err="1">
+                <a:solidFill>
+                  <a:schemeClr val="tx1"/>
+                </a:solidFill>
+                <a:effectLst/>
+                <a:latin typeface="+mn-lt"/>
+                <a:ea typeface="+mn-ea"/>
+                <a:cs typeface="+mn-cs"/>
+              </a:rPr>
+              <a:t>i</a:t>
+            </a:r>
+            <a:r>
+              <a:rPr lang="en-US" sz="1200" b="0" i="0" kern="1200" dirty="0">
+                <a:solidFill>
+                  <a:schemeClr val="tx1"/>
+                </a:solidFill>
+                <a:effectLst/>
+                <a:latin typeface="+mn-lt"/>
+                <a:ea typeface="+mn-ea"/>
+                <a:cs typeface="+mn-cs"/>
+              </a:rPr>
+              <a:t>.      </a:t>
+            </a:r>
+            <a:r>
+              <a:rPr lang="en-US" sz="1200" b="0" i="0" kern="1200" dirty="0">
+                <a:solidFill>
+                  <a:schemeClr val="tx1"/>
+                </a:solidFill>
+                <a:effectLst/>
+                <a:latin typeface="+mn-lt"/>
+                <a:ea typeface="+mn-ea"/>
+                <a:cs typeface="+mn-cs"/>
+                <a:hlinkClick r:id="rId3"/>
+              </a:rPr>
+              <a:t>Scott </a:t>
+            </a:r>
+            <a:r>
+              <a:rPr lang="en-US" sz="1200" b="0" i="0" kern="1200" dirty="0" err="1">
+                <a:solidFill>
+                  <a:schemeClr val="tx1"/>
+                </a:solidFill>
+                <a:effectLst/>
+                <a:latin typeface="+mn-lt"/>
+                <a:ea typeface="+mn-ea"/>
+                <a:cs typeface="+mn-cs"/>
+                <a:hlinkClick r:id="rId3"/>
+              </a:rPr>
+              <a:t>Hanselman</a:t>
+            </a:r>
+            <a:endParaRPr lang="en-US" sz="1200" b="0" i="0" kern="1200" dirty="0">
+              <a:solidFill>
+                <a:schemeClr val="tx1"/>
+              </a:solidFill>
+              <a:effectLst/>
+              <a:latin typeface="+mn-lt"/>
+              <a:ea typeface="+mn-ea"/>
+              <a:cs typeface="+mn-cs"/>
+            </a:endParaRPr>
+          </a:p>
+          <a:p>
+            <a:r>
+              <a:rPr lang="en-US" sz="1200" b="0" i="0" kern="1200" dirty="0">
+                <a:solidFill>
+                  <a:schemeClr val="tx1"/>
+                </a:solidFill>
+                <a:effectLst/>
+                <a:latin typeface="+mn-lt"/>
+                <a:ea typeface="+mn-ea"/>
+                <a:cs typeface="+mn-cs"/>
+              </a:rPr>
+              <a:t>b.       </a:t>
+            </a:r>
+            <a:r>
+              <a:rPr lang="en-US" sz="1200" b="1" i="0" kern="1200" dirty="0">
+                <a:solidFill>
+                  <a:schemeClr val="tx1"/>
+                </a:solidFill>
+                <a:effectLst/>
+                <a:latin typeface="+mn-lt"/>
+                <a:ea typeface="+mn-ea"/>
+                <a:cs typeface="+mn-cs"/>
+                <a:hlinkClick r:id="rId3"/>
+              </a:rPr>
+              <a:t>Microsoft Learn</a:t>
+            </a:r>
+            <a:r>
+              <a:rPr lang="en-US" sz="1200" b="1" i="0" kern="1200" dirty="0">
+                <a:solidFill>
+                  <a:schemeClr val="tx1"/>
+                </a:solidFill>
+                <a:effectLst/>
+                <a:latin typeface="+mn-lt"/>
+                <a:ea typeface="+mn-ea"/>
+                <a:cs typeface="+mn-cs"/>
+              </a:rPr>
+              <a:t> - </a:t>
+            </a:r>
             <a:r>
               <a:rPr lang="en-US" dirty="0">
                 <a:hlinkClick r:id="rId4"/>
               </a:rPr>
-              <a:t>https://www.syncfusion.com/products/communitylicense</a:t>
-            </a:r>
-            <a:endParaRPr lang="en-US" dirty="0"/>
-          </a:p>
-          <a:p>
-            <a:endParaRPr lang="en-US" dirty="0"/>
+              <a:t>https://docs.microsoft.com/en-us/learn/</a:t>
+            </a:r>
+            <a:endParaRPr lang="en-US" sz="1200" b="0" i="0" kern="1200" dirty="0">
+              <a:solidFill>
+                <a:schemeClr val="tx1"/>
+              </a:solidFill>
+              <a:effectLst/>
+              <a:latin typeface="+mn-lt"/>
+              <a:ea typeface="+mn-ea"/>
+              <a:cs typeface="+mn-cs"/>
+            </a:endParaRPr>
+          </a:p>
+          <a:p>
+            <a:r>
+              <a:rPr lang="en-US" sz="1200" b="0" i="0" kern="1200" dirty="0">
+                <a:solidFill>
+                  <a:schemeClr val="tx1"/>
+                </a:solidFill>
+                <a:effectLst/>
+                <a:latin typeface="+mn-lt"/>
+                <a:ea typeface="+mn-ea"/>
+                <a:cs typeface="+mn-cs"/>
+              </a:rPr>
+              <a:t>a.       They cover more than just Microsoft.  They cover more than just Microsoft technologies.  They have cover AI, data analytics and DevOps.  They recently added Learn TV for video content.</a:t>
+            </a:r>
+          </a:p>
+          <a:p>
+            <a:r>
+              <a:rPr lang="en-US" sz="1200" b="0" i="0" kern="1200" dirty="0">
+                <a:solidFill>
+                  <a:schemeClr val="tx1"/>
+                </a:solidFill>
+                <a:effectLst/>
+                <a:latin typeface="+mn-lt"/>
+                <a:ea typeface="+mn-ea"/>
+                <a:cs typeface="+mn-cs"/>
+              </a:rPr>
+              <a:t>c.       </a:t>
+            </a:r>
+            <a:r>
+              <a:rPr lang="en-US" sz="1200" b="0" i="0" kern="1200" dirty="0">
+                <a:solidFill>
+                  <a:schemeClr val="tx1"/>
+                </a:solidFill>
+                <a:effectLst/>
+                <a:latin typeface="+mn-lt"/>
+                <a:ea typeface="+mn-ea"/>
+                <a:cs typeface="+mn-cs"/>
+                <a:hlinkClick r:id="rId3"/>
+              </a:rPr>
+              <a:t>Google Developers Training</a:t>
+            </a:r>
+            <a:r>
+              <a:rPr lang="en-US" sz="1200" b="0" i="0" kern="1200" dirty="0">
+                <a:solidFill>
+                  <a:schemeClr val="tx1"/>
+                </a:solidFill>
+                <a:effectLst/>
+                <a:latin typeface="+mn-lt"/>
+                <a:ea typeface="+mn-ea"/>
+                <a:cs typeface="+mn-cs"/>
+              </a:rPr>
+              <a:t> - </a:t>
+            </a:r>
+            <a:r>
+              <a:rPr lang="en-US" dirty="0">
+                <a:hlinkClick r:id="rId5"/>
+              </a:rPr>
+              <a:t>https://developers.google.com/training</a:t>
+            </a:r>
+            <a:endParaRPr lang="en-US" sz="1200" b="0" i="0" kern="1200" dirty="0">
+              <a:solidFill>
+                <a:schemeClr val="tx1"/>
+              </a:solidFill>
+              <a:effectLst/>
+              <a:latin typeface="+mn-lt"/>
+              <a:ea typeface="+mn-ea"/>
+              <a:cs typeface="+mn-cs"/>
+            </a:endParaRPr>
+          </a:p>
+          <a:p>
+            <a:r>
+              <a:rPr lang="en-US" sz="1200" b="0" i="0" kern="1200" dirty="0">
+                <a:solidFill>
+                  <a:schemeClr val="tx1"/>
+                </a:solidFill>
+                <a:effectLst/>
+                <a:latin typeface="+mn-lt"/>
+                <a:ea typeface="+mn-ea"/>
+                <a:cs typeface="+mn-cs"/>
+              </a:rPr>
+              <a:t>a.       Covers Web and Android training</a:t>
+            </a:r>
           </a:p>
           <a:p>
             <a:endParaRPr lang="en-US" dirty="0"/>
@@ -1432,7 +1387,7 @@
           <a:p>
             <a:fld id="{84D2F5CF-7AD6-48EE-9BAD-8C9D5418D283}" type="slidenum">
               <a:rPr lang="en-US" smtClean="0"/>
-              <a:t>7</a:t>
+              <a:t>4</a:t>
             </a:fld>
             <a:endParaRPr lang="en-US"/>
           </a:p>
@@ -1441,7 +1396,7 @@
     </p:spTree>
     <p:extLst>
       <p:ext uri="{BB962C8B-B14F-4D97-AF65-F5344CB8AC3E}">
-        <p14:creationId xmlns:p14="http://schemas.microsoft.com/office/powerpoint/2010/main" val="2545853621"/>
+        <p14:creationId xmlns:p14="http://schemas.microsoft.com/office/powerpoint/2010/main" val="2527737212"/>
       </p:ext>
     </p:extLst>
   </p:cSld>
@@ -1499,23 +1454,8 @@
               <a:rPr lang="en-US" dirty="0">
                 <a:hlinkClick r:id="rId3"/>
               </a:rPr>
-              <a:t>https://github.com/bradtraversy/public-apis</a:t>
-            </a:r>
-            <a:endParaRPr lang="en-US" dirty="0"/>
-          </a:p>
-          <a:p>
-            <a:endParaRPr lang="en-US" dirty="0"/>
-          </a:p>
-          <a:p>
-            <a:r>
-              <a:rPr lang="en-US" dirty="0">
-                <a:hlinkClick r:id="rId4"/>
-              </a:rPr>
-              <a:t>https://free-for.dev/#/</a:t>
-            </a:r>
-            <a:endParaRPr lang="en-US" dirty="0"/>
-          </a:p>
-          <a:p>
+              <a:t>https://github.com/bradtraversy/design-resources-for-developers</a:t>
+            </a:r>
             <a:endParaRPr lang="en-US" dirty="0"/>
           </a:p>
         </p:txBody>
@@ -1537,7 +1477,7 @@
           <a:p>
             <a:fld id="{84D2F5CF-7AD6-48EE-9BAD-8C9D5418D283}" type="slidenum">
               <a:rPr lang="en-US" smtClean="0"/>
-              <a:t>8</a:t>
+              <a:t>5</a:t>
             </a:fld>
             <a:endParaRPr lang="en-US"/>
           </a:p>
@@ -1546,7 +1486,7 @@
     </p:spTree>
     <p:extLst>
       <p:ext uri="{BB962C8B-B14F-4D97-AF65-F5344CB8AC3E}">
-        <p14:creationId xmlns:p14="http://schemas.microsoft.com/office/powerpoint/2010/main" val="2774215470"/>
+        <p14:creationId xmlns:p14="http://schemas.microsoft.com/office/powerpoint/2010/main" val="3004201768"/>
       </p:ext>
     </p:extLst>
   </p:cSld>
@@ -1604,6 +1544,324 @@
               <a:rPr lang="en-US" dirty="0">
                 <a:hlinkClick r:id="rId3"/>
               </a:rPr>
+              <a:t>https://html5up.net/</a:t>
+            </a:r>
+            <a:endParaRPr lang="en-US" dirty="0"/>
+          </a:p>
+          <a:p>
+            <a:endParaRPr lang="en-US" dirty="0"/>
+          </a:p>
+          <a:p>
+            <a:r>
+              <a:rPr lang="en-US" dirty="0">
+                <a:hlinkClick r:id="rId4"/>
+              </a:rPr>
+              <a:t>https://themewagon.com/theme_tag/free/</a:t>
+            </a:r>
+            <a:endParaRPr lang="en-US" dirty="0"/>
+          </a:p>
+          <a:p>
+            <a:endParaRPr lang="en-US" dirty="0"/>
+          </a:p>
+          <a:p>
+            <a:r>
+              <a:rPr lang="en-US" dirty="0">
+                <a:hlinkClick r:id="rId5"/>
+              </a:rPr>
+              <a:t>https://templated.co/</a:t>
+            </a:r>
+            <a:endParaRPr lang="en-US" dirty="0"/>
+          </a:p>
+        </p:txBody>
+      </p:sp>
+      <p:sp>
+        <p:nvSpPr>
+          <p:cNvPr id="4" name="Slide Number Placeholder 3"/>
+          <p:cNvSpPr>
+            <a:spLocks noGrp="1"/>
+          </p:cNvSpPr>
+          <p:nvPr>
+            <p:ph type="sldNum" sz="quarter" idx="5"/>
+          </p:nvPr>
+        </p:nvSpPr>
+        <p:spPr/>
+        <p:txBody>
+          <a:bodyPr/>
+          <a:lstStyle/>
+          <a:p>
+            <a:fld id="{84D2F5CF-7AD6-48EE-9BAD-8C9D5418D283}" type="slidenum">
+              <a:rPr lang="en-US" smtClean="0"/>
+              <a:t>6</a:t>
+            </a:fld>
+            <a:endParaRPr lang="en-US"/>
+          </a:p>
+        </p:txBody>
+      </p:sp>
+    </p:spTree>
+    <p:extLst>
+      <p:ext uri="{BB962C8B-B14F-4D97-AF65-F5344CB8AC3E}">
+        <p14:creationId xmlns:p14="http://schemas.microsoft.com/office/powerpoint/2010/main" val="3959582759"/>
+      </p:ext>
+    </p:extLst>
+  </p:cSld>
+  <p:clrMapOvr>
+    <a:masterClrMapping/>
+  </p:clrMapOvr>
+</p:notes>
+</file>
+
+<file path=ppt/notesSlides/notesSlide7.xml><?xml version="1.0" encoding="utf-8"?>
+<p:notes xmlns:a="http://schemas.openxmlformats.org/drawingml/2006/main" xmlns:r="http://schemas.openxmlformats.org/officeDocument/2006/relationships" xmlns:p="http://schemas.openxmlformats.org/presentationml/2006/main">
+  <p:cSld>
+    <p:spTree>
+      <p:nvGrpSpPr>
+        <p:cNvPr id="1" name=""/>
+        <p:cNvGrpSpPr/>
+        <p:nvPr/>
+      </p:nvGrpSpPr>
+      <p:grpSpPr>
+        <a:xfrm>
+          <a:off x="0" y="0"/>
+          <a:ext cx="0" cy="0"/>
+          <a:chOff x="0" y="0"/>
+          <a:chExt cx="0" cy="0"/>
+        </a:xfrm>
+      </p:grpSpPr>
+      <p:sp>
+        <p:nvSpPr>
+          <p:cNvPr id="2" name="Slide Image Placeholder 1"/>
+          <p:cNvSpPr>
+            <a:spLocks noGrp="1" noRot="1" noChangeAspect="1"/>
+          </p:cNvSpPr>
+          <p:nvPr>
+            <p:ph type="sldImg"/>
+          </p:nvPr>
+        </p:nvSpPr>
+        <p:spPr/>
+      </p:sp>
+      <p:sp>
+        <p:nvSpPr>
+          <p:cNvPr id="3" name="Notes Placeholder 2"/>
+          <p:cNvSpPr>
+            <a:spLocks noGrp="1"/>
+          </p:cNvSpPr>
+          <p:nvPr>
+            <p:ph type="body" idx="1"/>
+          </p:nvPr>
+        </p:nvSpPr>
+        <p:spPr/>
+        <p:txBody>
+          <a:bodyPr/>
+          <a:lstStyle/>
+          <a:p>
+            <a:endParaRPr lang="en-US" dirty="0"/>
+          </a:p>
+          <a:p>
+            <a:r>
+              <a:rPr lang="en-US" dirty="0">
+                <a:hlinkClick r:id="rId3"/>
+              </a:rPr>
+              <a:t>https://www.syncfusion.com/products/communitylicense</a:t>
+            </a:r>
+            <a:endParaRPr lang="en-US" dirty="0"/>
+          </a:p>
+          <a:p>
+            <a:endParaRPr lang="en-US" dirty="0"/>
+          </a:p>
+          <a:p>
+            <a:endParaRPr lang="en-US" dirty="0"/>
+          </a:p>
+        </p:txBody>
+      </p:sp>
+      <p:sp>
+        <p:nvSpPr>
+          <p:cNvPr id="4" name="Slide Number Placeholder 3"/>
+          <p:cNvSpPr>
+            <a:spLocks noGrp="1"/>
+          </p:cNvSpPr>
+          <p:nvPr>
+            <p:ph type="sldNum" sz="quarter" idx="5"/>
+          </p:nvPr>
+        </p:nvSpPr>
+        <p:spPr/>
+        <p:txBody>
+          <a:bodyPr/>
+          <a:lstStyle/>
+          <a:p>
+            <a:fld id="{84D2F5CF-7AD6-48EE-9BAD-8C9D5418D283}" type="slidenum">
+              <a:rPr lang="en-US" smtClean="0"/>
+              <a:t>7</a:t>
+            </a:fld>
+            <a:endParaRPr lang="en-US"/>
+          </a:p>
+        </p:txBody>
+      </p:sp>
+    </p:spTree>
+    <p:extLst>
+      <p:ext uri="{BB962C8B-B14F-4D97-AF65-F5344CB8AC3E}">
+        <p14:creationId xmlns:p14="http://schemas.microsoft.com/office/powerpoint/2010/main" val="2545853621"/>
+      </p:ext>
+    </p:extLst>
+  </p:cSld>
+  <p:clrMapOvr>
+    <a:masterClrMapping/>
+  </p:clrMapOvr>
+</p:notes>
+</file>
+
+<file path=ppt/notesSlides/notesSlide8.xml><?xml version="1.0" encoding="utf-8"?>
+<p:notes xmlns:a="http://schemas.openxmlformats.org/drawingml/2006/main" xmlns:r="http://schemas.openxmlformats.org/officeDocument/2006/relationships" xmlns:p="http://schemas.openxmlformats.org/presentationml/2006/main">
+  <p:cSld>
+    <p:spTree>
+      <p:nvGrpSpPr>
+        <p:cNvPr id="1" name=""/>
+        <p:cNvGrpSpPr/>
+        <p:nvPr/>
+      </p:nvGrpSpPr>
+      <p:grpSpPr>
+        <a:xfrm>
+          <a:off x="0" y="0"/>
+          <a:ext cx="0" cy="0"/>
+          <a:chOff x="0" y="0"/>
+          <a:chExt cx="0" cy="0"/>
+        </a:xfrm>
+      </p:grpSpPr>
+      <p:sp>
+        <p:nvSpPr>
+          <p:cNvPr id="2" name="Slide Image Placeholder 1"/>
+          <p:cNvSpPr>
+            <a:spLocks noGrp="1" noRot="1" noChangeAspect="1"/>
+          </p:cNvSpPr>
+          <p:nvPr>
+            <p:ph type="sldImg"/>
+          </p:nvPr>
+        </p:nvSpPr>
+        <p:spPr/>
+      </p:sp>
+      <p:sp>
+        <p:nvSpPr>
+          <p:cNvPr id="3" name="Notes Placeholder 2"/>
+          <p:cNvSpPr>
+            <a:spLocks noGrp="1"/>
+          </p:cNvSpPr>
+          <p:nvPr>
+            <p:ph type="body" idx="1"/>
+          </p:nvPr>
+        </p:nvSpPr>
+        <p:spPr/>
+        <p:txBody>
+          <a:bodyPr/>
+          <a:lstStyle/>
+          <a:p>
+            <a:r>
+              <a:rPr lang="en-US" dirty="0">
+                <a:hlinkClick r:id="rId3"/>
+              </a:rPr>
+              <a:t>https://github.com/bradtraversy/public-apis</a:t>
+            </a:r>
+            <a:endParaRPr lang="en-US" dirty="0"/>
+          </a:p>
+          <a:p>
+            <a:endParaRPr lang="en-US" dirty="0"/>
+          </a:p>
+          <a:p>
+            <a:r>
+              <a:rPr lang="en-US" dirty="0">
+                <a:hlinkClick r:id="rId4"/>
+              </a:rPr>
+              <a:t>https://free-for.dev/#/</a:t>
+            </a:r>
+            <a:endParaRPr lang="en-US" dirty="0"/>
+          </a:p>
+          <a:p>
+            <a:endParaRPr lang="en-US" dirty="0"/>
+          </a:p>
+        </p:txBody>
+      </p:sp>
+      <p:sp>
+        <p:nvSpPr>
+          <p:cNvPr id="4" name="Slide Number Placeholder 3"/>
+          <p:cNvSpPr>
+            <a:spLocks noGrp="1"/>
+          </p:cNvSpPr>
+          <p:nvPr>
+            <p:ph type="sldNum" sz="quarter" idx="5"/>
+          </p:nvPr>
+        </p:nvSpPr>
+        <p:spPr/>
+        <p:txBody>
+          <a:bodyPr/>
+          <a:lstStyle/>
+          <a:p>
+            <a:fld id="{84D2F5CF-7AD6-48EE-9BAD-8C9D5418D283}" type="slidenum">
+              <a:rPr lang="en-US" smtClean="0"/>
+              <a:t>8</a:t>
+            </a:fld>
+            <a:endParaRPr lang="en-US"/>
+          </a:p>
+        </p:txBody>
+      </p:sp>
+    </p:spTree>
+    <p:extLst>
+      <p:ext uri="{BB962C8B-B14F-4D97-AF65-F5344CB8AC3E}">
+        <p14:creationId xmlns:p14="http://schemas.microsoft.com/office/powerpoint/2010/main" val="2774215470"/>
+      </p:ext>
+    </p:extLst>
+  </p:cSld>
+  <p:clrMapOvr>
+    <a:masterClrMapping/>
+  </p:clrMapOvr>
+</p:notes>
+</file>
+
+<file path=ppt/notesSlides/notesSlide9.xml><?xml version="1.0" encoding="utf-8"?>
+<p:notes xmlns:a="http://schemas.openxmlformats.org/drawingml/2006/main" xmlns:r="http://schemas.openxmlformats.org/officeDocument/2006/relationships" xmlns:p="http://schemas.openxmlformats.org/presentationml/2006/main">
+  <p:cSld>
+    <p:spTree>
+      <p:nvGrpSpPr>
+        <p:cNvPr id="1" name=""/>
+        <p:cNvGrpSpPr/>
+        <p:nvPr/>
+      </p:nvGrpSpPr>
+      <p:grpSpPr>
+        <a:xfrm>
+          <a:off x="0" y="0"/>
+          <a:ext cx="0" cy="0"/>
+          <a:chOff x="0" y="0"/>
+          <a:chExt cx="0" cy="0"/>
+        </a:xfrm>
+      </p:grpSpPr>
+      <p:sp>
+        <p:nvSpPr>
+          <p:cNvPr id="2" name="Slide Image Placeholder 1"/>
+          <p:cNvSpPr>
+            <a:spLocks noGrp="1" noRot="1" noChangeAspect="1"/>
+          </p:cNvSpPr>
+          <p:nvPr>
+            <p:ph type="sldImg"/>
+          </p:nvPr>
+        </p:nvSpPr>
+        <p:spPr/>
+      </p:sp>
+      <p:sp>
+        <p:nvSpPr>
+          <p:cNvPr id="3" name="Notes Placeholder 2"/>
+          <p:cNvSpPr>
+            <a:spLocks noGrp="1"/>
+          </p:cNvSpPr>
+          <p:nvPr>
+            <p:ph type="body" idx="1"/>
+          </p:nvPr>
+        </p:nvSpPr>
+        <p:spPr/>
+        <p:txBody>
+          <a:bodyPr/>
+          <a:lstStyle/>
+          <a:p>
+            <a:r>
+              <a:rPr lang="en-US" dirty="0">
+                <a:hlinkClick r:id="rId3"/>
+              </a:rPr>
               <a:t>https://azure.microsoft.com/en-us/free/free-account-faq/</a:t>
             </a:r>
             <a:endParaRPr lang="en-US" dirty="0"/>
@@ -1625,7 +1883,7 @@
           </a:p>
           <a:p>
             <a:r>
-              <a:rPr lang="en-US">
+              <a:rPr lang="en-US" dirty="0">
                 <a:hlinkClick r:id="rId5"/>
               </a:rPr>
               <a:t>https://pages.github.com/</a:t>
@@ -1873,7 +2131,7 @@
           <a:p>
             <a:fld id="{9184DA70-C731-4C70-880D-CCD4705E623C}" type="datetime1">
               <a:rPr lang="en-US" smtClean="0"/>
-              <a:t>6/24/2020</a:t>
+              <a:t>6/26/2020</a:t>
             </a:fld>
             <a:endParaRPr lang="en-US" dirty="0"/>
           </a:p>
@@ -2411,7 +2669,7 @@
           <a:p>
             <a:fld id="{4EDE50D6-574B-40AF-946F-D52A04ADE379}" type="datetime1">
               <a:rPr lang="en-US" smtClean="0"/>
-              <a:t>6/24/2020</a:t>
+              <a:t>6/26/2020</a:t>
             </a:fld>
             <a:endParaRPr lang="en-US" dirty="0"/>
           </a:p>
@@ -2844,7 +3102,7 @@
           <a:p>
             <a:fld id="{4BE1D723-8F53-4F53-90B0-1982A396982E}" type="datetime1">
               <a:rPr lang="en-US" smtClean="0"/>
-              <a:t>6/24/2020</a:t>
+              <a:t>6/26/2020</a:t>
             </a:fld>
             <a:endParaRPr lang="en-US" dirty="0"/>
           </a:p>
@@ -3541,7 +3799,7 @@
           <a:p>
             <a:fld id="{4BE1D723-8F53-4F53-90B0-1982A396982E}" type="datetime1">
               <a:rPr lang="en-US" smtClean="0"/>
-              <a:t>6/24/2020</a:t>
+              <a:t>6/26/2020</a:t>
             </a:fld>
             <a:endParaRPr lang="en-US" dirty="0"/>
           </a:p>
@@ -4287,7 +4545,7 @@
           <a:p>
             <a:fld id="{97669AF7-7BEB-44E4-9852-375E34362B5B}" type="datetime1">
               <a:rPr lang="en-US" smtClean="0"/>
-              <a:t>6/24/2020</a:t>
+              <a:t>6/26/2020</a:t>
             </a:fld>
             <a:endParaRPr lang="en-US" dirty="0"/>
           </a:p>
@@ -5115,7 +5373,7 @@
           <a:p>
             <a:fld id="{BAAAC38D-0552-4C82-B593-E6124DFADBE2}" type="datetime1">
               <a:rPr lang="en-US" smtClean="0"/>
-              <a:t>6/24/2020</a:t>
+              <a:t>6/26/2020</a:t>
             </a:fld>
             <a:endParaRPr lang="en-US" dirty="0"/>
           </a:p>
@@ -5735,7 +5993,7 @@
           <a:p>
             <a:fld id="{D9DF0F1C-5577-4ACB-BB62-DF8F3C494C7E}" type="datetime1">
               <a:rPr lang="en-US" smtClean="0"/>
-              <a:t>6/24/2020</a:t>
+              <a:t>6/26/2020</a:t>
             </a:fld>
             <a:endParaRPr lang="en-US" dirty="0"/>
           </a:p>
@@ -6099,7 +6357,7 @@
           <a:p>
             <a:fld id="{1775B394-D9F9-4F0C-B15D-605F45CB9E9F}" type="datetime1">
               <a:rPr lang="en-US" smtClean="0"/>
-              <a:t>6/24/2020</a:t>
+              <a:t>6/26/2020</a:t>
             </a:fld>
             <a:endParaRPr lang="en-US" dirty="0"/>
           </a:p>
@@ -6463,7 +6721,7 @@
           <a:p>
             <a:fld id="{1775B394-D9F9-4F0C-B15D-605F45CB9E9F}" type="datetime1">
               <a:rPr lang="en-US" smtClean="0"/>
-              <a:t>6/24/2020</a:t>
+              <a:t>6/26/2020</a:t>
             </a:fld>
             <a:endParaRPr lang="en-US" dirty="0"/>
           </a:p>
@@ -6837,7 +7095,7 @@
           <a:p>
             <a:fld id="{39667345-2558-425A-8533-9BFDBCE15005}" type="datetime1">
               <a:rPr lang="en-US" smtClean="0"/>
-              <a:t>6/24/2020</a:t>
+              <a:t>6/26/2020</a:t>
             </a:fld>
             <a:endParaRPr lang="en-US" dirty="0"/>
           </a:p>
@@ -7060,7 +7318,7 @@
           <a:p>
             <a:fld id="{62D6E202-B606-4609-B914-27C9371A1F6D}" type="datetime1">
               <a:rPr lang="en-US" smtClean="0"/>
-              <a:t>6/24/2020</a:t>
+              <a:t>6/26/2020</a:t>
             </a:fld>
             <a:endParaRPr lang="en-US" dirty="0"/>
           </a:p>
@@ -7619,7 +7877,7 @@
           <p:nvPr/>
         </p:nvPicPr>
         <p:blipFill>
-          <a:blip r:embed="rId2"/>
+          <a:blip r:embed="rId3"/>
           <a:stretch>
             <a:fillRect/>
           </a:stretch>
@@ -7786,7 +8044,7 @@
 </file>
 
 <file path=ppt/slides/slide2.xml><?xml version="1.0" encoding="utf-8"?>
-<p:sld xmlns:a="http://schemas.openxmlformats.org/drawingml/2006/main" xmlns:r="http://schemas.openxmlformats.org/officeDocument/2006/relationships" xmlns:p="http://schemas.openxmlformats.org/presentationml/2006/main">
+<p:sld xmlns:a="http://schemas.openxmlformats.org/drawingml/2006/main" xmlns:r="http://schemas.openxmlformats.org/officeDocument/2006/relationships" xmlns:p="http://schemas.openxmlformats.org/presentationml/2006/main" show="0">
   <p:cSld>
     <p:spTree>
       <p:nvGrpSpPr>
@@ -7820,8 +8078,8 @@
         </p:nvSpPr>
         <p:spPr>
           <a:xfrm>
-            <a:off x="82145" y="2322728"/>
-            <a:ext cx="5311976" cy="4032225"/>
+            <a:off x="82145" y="1858108"/>
+            <a:ext cx="5311976" cy="4888523"/>
           </a:xfrm>
         </p:spPr>
         <p:txBody>
@@ -7844,7 +8102,7 @@
           <a:p>
             <a:r>
               <a:rPr lang="en-US" sz="2400" dirty="0"/>
-              <a:t>These freebies can make our developer lives so much easier and fun!</a:t>
+              <a:t>Here is a list of freebies for developers that makes coding so much easier and fun!</a:t>
             </a:r>
           </a:p>
         </p:txBody>
@@ -7907,7 +8165,7 @@
           </p:nvPr>
         </p:nvPicPr>
         <p:blipFill>
-          <a:blip r:embed="rId2"/>
+          <a:blip r:embed="rId3"/>
           <a:srcRect l="23750" r="23750"/>
           <a:stretch>
             <a:fillRect/>
@@ -8112,7 +8370,7 @@
           </p:nvPr>
         </p:nvPicPr>
         <p:blipFill>
-          <a:blip r:embed="rId2"/>
+          <a:blip r:embed="rId3"/>
           <a:srcRect l="21951" r="21951"/>
           <a:stretch>
             <a:fillRect/>
@@ -8142,7 +8400,7 @@
           </p:nvPr>
         </p:nvPicPr>
         <p:blipFill>
-          <a:blip r:embed="rId3"/>
+          <a:blip r:embed="rId4"/>
           <a:srcRect/>
           <a:stretch/>
         </p:blipFill>
@@ -8452,7 +8710,7 @@
           <p:nvPr/>
         </p:nvPicPr>
         <p:blipFill>
-          <a:blip r:embed="rId4"/>
+          <a:blip r:embed="rId5"/>
           <a:srcRect/>
           <a:stretch/>
         </p:blipFill>
@@ -8780,7 +9038,7 @@
           <p:nvPr/>
         </p:nvPicPr>
         <p:blipFill>
-          <a:blip r:embed="rId5"/>
+          <a:blip r:embed="rId6"/>
           <a:srcRect l="15714" r="15714"/>
           <a:stretch>
             <a:fillRect/>
@@ -8821,7 +9079,7 @@
           </p:nvPr>
         </p:nvPicPr>
         <p:blipFill>
-          <a:blip r:embed="rId6"/>
+          <a:blip r:embed="rId7"/>
           <a:srcRect l="21875" r="21875"/>
           <a:stretch>
             <a:fillRect/>
@@ -9126,7 +9384,7 @@
           <p:nvPr/>
         </p:nvPicPr>
         <p:blipFill>
-          <a:blip r:embed="rId7"/>
+          <a:blip r:embed="rId8"/>
           <a:srcRect/>
           <a:stretch/>
         </p:blipFill>
@@ -10914,24 +11172,6 @@
 </file>
 
 <file path=customXml/item1.xml><?xml version="1.0" encoding="utf-8"?>
-<p:properties xmlns:p="http://schemas.microsoft.com/office/2006/metadata/properties" xmlns:xsi="http://www.w3.org/2001/XMLSchema-instance" xmlns:pc="http://schemas.microsoft.com/office/infopath/2007/PartnerControls">
-  <documentManagement>
-    <Status xmlns="71af3243-3dd4-4a8d-8c0d-dd76da1f02a5">Not started</Status>
-    <MediaServiceKeyPoints xmlns="71af3243-3dd4-4a8d-8c0d-dd76da1f02a5" xsi:nil="true"/>
-  </documentManagement>
-</p:properties>
-</file>
-
-<file path=customXml/item2.xml><?xml version="1.0" encoding="utf-8"?>
-<?mso-contentType ?>
-<FormTemplates xmlns="http://schemas.microsoft.com/sharepoint/v3/contenttype/forms">
-  <Display>DocumentLibraryForm</Display>
-  <Edit>DocumentLibraryForm</Edit>
-  <New>DocumentLibraryForm</New>
-</FormTemplates>
-</file>
-
-<file path=customXml/item3.xml><?xml version="1.0" encoding="utf-8"?>
 <ct:contentTypeSchema xmlns:ct="http://schemas.microsoft.com/office/2006/metadata/contentType" xmlns:ma="http://schemas.microsoft.com/office/2006/metadata/properties/metaAttributes" ct:_="" ma:_="" ma:contentTypeName="Document" ma:contentTypeID="0x01010079F111ED35F8CC479449609E8A0923A6" ma:contentTypeVersion="12" ma:contentTypeDescription="Create a new document." ma:contentTypeScope="" ma:versionID="fa6e671f1cd7e4d96ff9652be322dd5e">
   <xsd:schema xmlns:xsd="http://www.w3.org/2001/XMLSchema" xmlns:xs="http://www.w3.org/2001/XMLSchema" xmlns:p="http://schemas.microsoft.com/office/2006/metadata/properties" xmlns:ns2="71af3243-3dd4-4a8d-8c0d-dd76da1f02a5" xmlns:ns3="16c05727-aa75-4e4a-9b5f-8a80a1165891" targetNamespace="http://schemas.microsoft.com/office/2006/metadata/properties" ma:root="true" ma:fieldsID="4e2496f70b101db0b8013f30a071bbf7" ns2:_="" ns3:_="">
     <xsd:import namespace="71af3243-3dd4-4a8d-8c0d-dd76da1f02a5"/>
@@ -11152,25 +11392,25 @@
 </ct:contentTypeSchema>
 </file>
 
-<file path=customXml/itemProps1.xml><?xml version="1.0" encoding="utf-8"?>
-<ds:datastoreItem xmlns:ds="http://schemas.openxmlformats.org/officeDocument/2006/customXml" ds:itemID="{38F4328E-77DF-41E8-952F-124AE19F1F7C}">
-  <ds:schemaRefs>
-    <ds:schemaRef ds:uri="http://schemas.microsoft.com/office/2006/metadata/properties"/>
-    <ds:schemaRef ds:uri="http://schemas.microsoft.com/office/infopath/2007/PartnerControls"/>
-    <ds:schemaRef ds:uri="71af3243-3dd4-4a8d-8c0d-dd76da1f02a5"/>
-  </ds:schemaRefs>
-</ds:datastoreItem>
+<file path=customXml/item2.xml><?xml version="1.0" encoding="utf-8"?>
+<?mso-contentType ?>
+<FormTemplates xmlns="http://schemas.microsoft.com/sharepoint/v3/contenttype/forms">
+  <Display>DocumentLibraryForm</Display>
+  <Edit>DocumentLibraryForm</Edit>
+  <New>DocumentLibraryForm</New>
+</FormTemplates>
 </file>
 
-<file path=customXml/itemProps2.xml><?xml version="1.0" encoding="utf-8"?>
-<ds:datastoreItem xmlns:ds="http://schemas.openxmlformats.org/officeDocument/2006/customXml" ds:itemID="{6A7FA506-1E93-4CA4-B270-1F08FD18C366}">
-  <ds:schemaRefs>
-    <ds:schemaRef ds:uri="http://schemas.microsoft.com/sharepoint/v3/contenttype/forms"/>
-  </ds:schemaRefs>
-</ds:datastoreItem>
+<file path=customXml/item3.xml><?xml version="1.0" encoding="utf-8"?>
+<p:properties xmlns:p="http://schemas.microsoft.com/office/2006/metadata/properties" xmlns:xsi="http://www.w3.org/2001/XMLSchema-instance" xmlns:pc="http://schemas.microsoft.com/office/infopath/2007/PartnerControls">
+  <documentManagement>
+    <Status xmlns="71af3243-3dd4-4a8d-8c0d-dd76da1f02a5">Not started</Status>
+    <MediaServiceKeyPoints xmlns="71af3243-3dd4-4a8d-8c0d-dd76da1f02a5" xsi:nil="true"/>
+  </documentManagement>
+</p:properties>
 </file>
 
-<file path=customXml/itemProps3.xml><?xml version="1.0" encoding="utf-8"?>
+<file path=customXml/itemProps1.xml><?xml version="1.0" encoding="utf-8"?>
 <ds:datastoreItem xmlns:ds="http://schemas.openxmlformats.org/officeDocument/2006/customXml" ds:itemID="{1F2FE978-FCBC-4C90-A410-B547AA706062}">
   <ds:schemaRefs>
     <ds:schemaRef ds:uri="http://schemas.microsoft.com/office/2006/metadata/contentType"/>
@@ -11187,4 +11427,22 @@
     <ds:schemaRef ds:uri="http://schemas.microsoft.com/internal/obd"/>
   </ds:schemaRefs>
 </ds:datastoreItem>
+</file>
+
+<file path=customXml/itemProps2.xml><?xml version="1.0" encoding="utf-8"?>
+<ds:datastoreItem xmlns:ds="http://schemas.openxmlformats.org/officeDocument/2006/customXml" ds:itemID="{6A7FA506-1E93-4CA4-B270-1F08FD18C366}">
+  <ds:schemaRefs>
+    <ds:schemaRef ds:uri="http://schemas.microsoft.com/sharepoint/v3/contenttype/forms"/>
+  </ds:schemaRefs>
+</ds:datastoreItem>
+</file>
+
+<file path=customXml/itemProps3.xml><?xml version="1.0" encoding="utf-8"?>
+<ds:datastoreItem xmlns:ds="http://schemas.openxmlformats.org/officeDocument/2006/customXml" ds:itemID="{38F4328E-77DF-41E8-952F-124AE19F1F7C}">
+  <ds:schemaRefs>
+    <ds:schemaRef ds:uri="http://schemas.microsoft.com/office/2006/metadata/properties"/>
+    <ds:schemaRef ds:uri="http://schemas.microsoft.com/office/infopath/2007/PartnerControls"/>
+    <ds:schemaRef ds:uri="71af3243-3dd4-4a8d-8c0d-dd76da1f02a5"/>
+  </ds:schemaRefs>
+</ds:datastoreItem>
 </file>